--- a/DataScienceProject-1/Project_Presentation_MeenaGummadi.pptx
+++ b/DataScienceProject-1/Project_Presentation_MeenaGummadi.pptx
@@ -123,6 +123,11 @@
       </a:defRPr>
     </a:lvl9pPr>
   </p:defaultTextStyle>
+  <p:extLst>
+    <p:ext uri="{EFAFB233-063F-42B5-8137-9DF3F51BA10A}">
+      <p15:sldGuideLst xmlns:p15="http://schemas.microsoft.com/office/powerpoint/2012/main"/>
+    </p:ext>
+  </p:extLst>
 </p:presentation>
 </file>
 
@@ -176,7 +181,7 @@
           <a:noFill/>
           <a:extLst>
             <a:ext uri="{909E8E84-426E-40dd-AFC4-6F175D3DCCD1}">
-              <a14:hiddenFill xmlns:a14="http://schemas.microsoft.com/office/drawing/2010/main" xmlns="">
+              <a14:hiddenFill xmlns="" xmlns:a14="http://schemas.microsoft.com/office/drawing/2010/main">
                 <a:solidFill>
                   <a:srgbClr val="FFFFFF"/>
                 </a:solidFill>
@@ -236,7 +241,7 @@
             </a:ln>
             <a:extLst>
               <a:ext uri="{91240B29-F687-4f45-9708-019B960494DF}">
-                <a14:hiddenLine xmlns:a14="http://schemas.microsoft.com/office/drawing/2010/main" xmlns="" w="9525">
+                <a14:hiddenLine xmlns="" xmlns:a14="http://schemas.microsoft.com/office/drawing/2010/main" w="9525">
                   <a:solidFill>
                     <a:srgbClr val="000000"/>
                   </a:solidFill>
@@ -326,7 +331,7 @@
             </a:ln>
             <a:extLst>
               <a:ext uri="{91240B29-F687-4f45-9708-019B960494DF}">
-                <a14:hiddenLine xmlns:a14="http://schemas.microsoft.com/office/drawing/2010/main" xmlns="" w="9525">
+                <a14:hiddenLine xmlns="" xmlns:a14="http://schemas.microsoft.com/office/drawing/2010/main" w="9525">
                   <a:solidFill>
                     <a:srgbClr val="000000"/>
                   </a:solidFill>
@@ -416,7 +421,7 @@
             </a:ln>
             <a:extLst>
               <a:ext uri="{91240B29-F687-4f45-9708-019B960494DF}">
-                <a14:hiddenLine xmlns:a14="http://schemas.microsoft.com/office/drawing/2010/main" xmlns="" w="9525">
+                <a14:hiddenLine xmlns="" xmlns:a14="http://schemas.microsoft.com/office/drawing/2010/main" w="9525">
                   <a:solidFill>
                     <a:srgbClr val="000000"/>
                   </a:solidFill>
@@ -450,7 +455,7 @@
             </a:ln>
             <a:extLst>
               <a:ext uri="{91240B29-F687-4f45-9708-019B960494DF}">
-                <a14:hiddenLine xmlns:a14="http://schemas.microsoft.com/office/drawing/2010/main" xmlns="" w="9525">
+                <a14:hiddenLine xmlns="" xmlns:a14="http://schemas.microsoft.com/office/drawing/2010/main" w="9525">
                   <a:solidFill>
                     <a:srgbClr val="000000"/>
                   </a:solidFill>
@@ -540,7 +545,7 @@
             </a:ln>
             <a:extLst>
               <a:ext uri="{91240B29-F687-4f45-9708-019B960494DF}">
-                <a14:hiddenLine xmlns:a14="http://schemas.microsoft.com/office/drawing/2010/main" xmlns="" w="9525">
+                <a14:hiddenLine xmlns="" xmlns:a14="http://schemas.microsoft.com/office/drawing/2010/main" w="9525">
                   <a:solidFill>
                     <a:srgbClr val="000000"/>
                   </a:solidFill>
@@ -602,7 +607,7 @@
             </a:ln>
             <a:extLst>
               <a:ext uri="{91240B29-F687-4f45-9708-019B960494DF}">
-                <a14:hiddenLine xmlns:a14="http://schemas.microsoft.com/office/drawing/2010/main" xmlns="" w="9525">
+                <a14:hiddenLine xmlns="" xmlns:a14="http://schemas.microsoft.com/office/drawing/2010/main" w="9525">
                   <a:solidFill>
                     <a:srgbClr val="000000"/>
                   </a:solidFill>
@@ -664,7 +669,7 @@
             </a:ln>
             <a:extLst>
               <a:ext uri="{91240B29-F687-4f45-9708-019B960494DF}">
-                <a14:hiddenLine xmlns:a14="http://schemas.microsoft.com/office/drawing/2010/main" xmlns="" w="9525">
+                <a14:hiddenLine xmlns="" xmlns:a14="http://schemas.microsoft.com/office/drawing/2010/main" w="9525">
                   <a:solidFill>
                     <a:srgbClr val="000000"/>
                   </a:solidFill>
@@ -754,7 +759,7 @@
             </a:ln>
             <a:extLst>
               <a:ext uri="{91240B29-F687-4f45-9708-019B960494DF}">
-                <a14:hiddenLine xmlns:a14="http://schemas.microsoft.com/office/drawing/2010/main" xmlns="" w="9525">
+                <a14:hiddenLine xmlns="" xmlns:a14="http://schemas.microsoft.com/office/drawing/2010/main" w="9525">
                   <a:solidFill>
                     <a:srgbClr val="000000"/>
                   </a:solidFill>
@@ -816,7 +821,7 @@
             </a:ln>
             <a:extLst>
               <a:ext uri="{91240B29-F687-4f45-9708-019B960494DF}">
-                <a14:hiddenLine xmlns:a14="http://schemas.microsoft.com/office/drawing/2010/main" xmlns="" w="9525">
+                <a14:hiddenLine xmlns="" xmlns:a14="http://schemas.microsoft.com/office/drawing/2010/main" w="9525">
                   <a:solidFill>
                     <a:srgbClr val="000000"/>
                   </a:solidFill>
@@ -878,7 +883,7 @@
             </a:ln>
             <a:extLst>
               <a:ext uri="{91240B29-F687-4f45-9708-019B960494DF}">
-                <a14:hiddenLine xmlns:a14="http://schemas.microsoft.com/office/drawing/2010/main" xmlns="" w="9525">
+                <a14:hiddenLine xmlns="" xmlns:a14="http://schemas.microsoft.com/office/drawing/2010/main" w="9525">
                   <a:solidFill>
                     <a:srgbClr val="000000"/>
                   </a:solidFill>
@@ -968,7 +973,7 @@
             </a:ln>
             <a:extLst>
               <a:ext uri="{91240B29-F687-4f45-9708-019B960494DF}">
-                <a14:hiddenLine xmlns:a14="http://schemas.microsoft.com/office/drawing/2010/main" xmlns="" w="9525">
+                <a14:hiddenLine xmlns="" xmlns:a14="http://schemas.microsoft.com/office/drawing/2010/main" w="9525">
                   <a:solidFill>
                     <a:srgbClr val="000000"/>
                   </a:solidFill>
@@ -1058,7 +1063,7 @@
             </a:ln>
             <a:extLst>
               <a:ext uri="{91240B29-F687-4f45-9708-019B960494DF}">
-                <a14:hiddenLine xmlns:a14="http://schemas.microsoft.com/office/drawing/2010/main" xmlns="" w="9525">
+                <a14:hiddenLine xmlns="" xmlns:a14="http://schemas.microsoft.com/office/drawing/2010/main" w="9525">
                   <a:solidFill>
                     <a:srgbClr val="000000"/>
                   </a:solidFill>
@@ -1120,7 +1125,7 @@
             </a:ln>
             <a:extLst>
               <a:ext uri="{91240B29-F687-4f45-9708-019B960494DF}">
-                <a14:hiddenLine xmlns:a14="http://schemas.microsoft.com/office/drawing/2010/main" xmlns="" w="9525">
+                <a14:hiddenLine xmlns="" xmlns:a14="http://schemas.microsoft.com/office/drawing/2010/main" w="9525">
                   <a:solidFill>
                     <a:srgbClr val="000000"/>
                   </a:solidFill>
@@ -1230,7 +1235,7 @@
             </a:ln>
             <a:extLst>
               <a:ext uri="{91240B29-F687-4f45-9708-019B960494DF}">
-                <a14:hiddenLine xmlns:a14="http://schemas.microsoft.com/office/drawing/2010/main" xmlns="" w="9525">
+                <a14:hiddenLine xmlns="" xmlns:a14="http://schemas.microsoft.com/office/drawing/2010/main" w="9525">
                   <a:solidFill>
                     <a:srgbClr val="000000"/>
                   </a:solidFill>
@@ -1292,7 +1297,7 @@
             </a:ln>
             <a:extLst>
               <a:ext uri="{91240B29-F687-4f45-9708-019B960494DF}">
-                <a14:hiddenLine xmlns:a14="http://schemas.microsoft.com/office/drawing/2010/main" xmlns="" w="9525">
+                <a14:hiddenLine xmlns="" xmlns:a14="http://schemas.microsoft.com/office/drawing/2010/main" w="9525">
                   <a:solidFill>
                     <a:srgbClr val="000000"/>
                   </a:solidFill>
@@ -1382,7 +1387,7 @@
             </a:ln>
             <a:extLst>
               <a:ext uri="{91240B29-F687-4f45-9708-019B960494DF}">
-                <a14:hiddenLine xmlns:a14="http://schemas.microsoft.com/office/drawing/2010/main" xmlns="" w="9525">
+                <a14:hiddenLine xmlns="" xmlns:a14="http://schemas.microsoft.com/office/drawing/2010/main" w="9525">
                   <a:solidFill>
                     <a:srgbClr val="000000"/>
                   </a:solidFill>
@@ -1472,7 +1477,7 @@
             </a:ln>
             <a:extLst>
               <a:ext uri="{91240B29-F687-4f45-9708-019B960494DF}">
-                <a14:hiddenLine xmlns:a14="http://schemas.microsoft.com/office/drawing/2010/main" xmlns="" w="9525">
+                <a14:hiddenLine xmlns="" xmlns:a14="http://schemas.microsoft.com/office/drawing/2010/main" w="9525">
                   <a:solidFill>
                     <a:srgbClr val="000000"/>
                   </a:solidFill>
@@ -1534,7 +1539,7 @@
             </a:ln>
             <a:extLst>
               <a:ext uri="{91240B29-F687-4f45-9708-019B960494DF}">
-                <a14:hiddenLine xmlns:a14="http://schemas.microsoft.com/office/drawing/2010/main" xmlns="" w="9525">
+                <a14:hiddenLine xmlns="" xmlns:a14="http://schemas.microsoft.com/office/drawing/2010/main" w="9525">
                   <a:solidFill>
                     <a:srgbClr val="000000"/>
                   </a:solidFill>
@@ -1624,7 +1629,7 @@
             </a:ln>
             <a:extLst>
               <a:ext uri="{91240B29-F687-4f45-9708-019B960494DF}">
-                <a14:hiddenLine xmlns:a14="http://schemas.microsoft.com/office/drawing/2010/main" xmlns="" w="9525">
+                <a14:hiddenLine xmlns="" xmlns:a14="http://schemas.microsoft.com/office/drawing/2010/main" w="9525">
                   <a:solidFill>
                     <a:srgbClr val="000000"/>
                   </a:solidFill>
@@ -1714,7 +1719,7 @@
             </a:ln>
             <a:extLst>
               <a:ext uri="{91240B29-F687-4f45-9708-019B960494DF}">
-                <a14:hiddenLine xmlns:a14="http://schemas.microsoft.com/office/drawing/2010/main" xmlns="" w="9525">
+                <a14:hiddenLine xmlns="" xmlns:a14="http://schemas.microsoft.com/office/drawing/2010/main" w="9525">
                   <a:solidFill>
                     <a:srgbClr val="000000"/>
                   </a:solidFill>
@@ -1770,7 +1775,7 @@
             </a:ln>
             <a:extLst>
               <a:ext uri="{91240B29-F687-4f45-9708-019B960494DF}">
-                <a14:hiddenLine xmlns:a14="http://schemas.microsoft.com/office/drawing/2010/main" xmlns="" w="9525">
+                <a14:hiddenLine xmlns="" xmlns:a14="http://schemas.microsoft.com/office/drawing/2010/main" w="9525">
                   <a:solidFill>
                     <a:srgbClr val="000000"/>
                   </a:solidFill>
@@ -1860,7 +1865,7 @@
             </a:ln>
             <a:extLst>
               <a:ext uri="{91240B29-F687-4f45-9708-019B960494DF}">
-                <a14:hiddenLine xmlns:a14="http://schemas.microsoft.com/office/drawing/2010/main" xmlns="" w="9525">
+                <a14:hiddenLine xmlns="" xmlns:a14="http://schemas.microsoft.com/office/drawing/2010/main" w="9525">
                   <a:solidFill>
                     <a:srgbClr val="000000"/>
                   </a:solidFill>
@@ -1916,7 +1921,7 @@
             </a:ln>
             <a:extLst>
               <a:ext uri="{91240B29-F687-4f45-9708-019B960494DF}">
-                <a14:hiddenLine xmlns:a14="http://schemas.microsoft.com/office/drawing/2010/main" xmlns="" w="9525">
+                <a14:hiddenLine xmlns="" xmlns:a14="http://schemas.microsoft.com/office/drawing/2010/main" w="9525">
                   <a:solidFill>
                     <a:srgbClr val="000000"/>
                   </a:solidFill>
@@ -2006,7 +2011,7 @@
             </a:ln>
             <a:extLst>
               <a:ext uri="{91240B29-F687-4f45-9708-019B960494DF}">
-                <a14:hiddenLine xmlns:a14="http://schemas.microsoft.com/office/drawing/2010/main" xmlns="" w="9525">
+                <a14:hiddenLine xmlns="" xmlns:a14="http://schemas.microsoft.com/office/drawing/2010/main" w="9525">
                   <a:solidFill>
                     <a:srgbClr val="000000"/>
                   </a:solidFill>
@@ -2074,7 +2079,7 @@
             </a:ln>
             <a:extLst>
               <a:ext uri="{91240B29-F687-4f45-9708-019B960494DF}">
-                <a14:hiddenLine xmlns:a14="http://schemas.microsoft.com/office/drawing/2010/main" xmlns="" w="9525">
+                <a14:hiddenLine xmlns="" xmlns:a14="http://schemas.microsoft.com/office/drawing/2010/main" w="9525">
                   <a:solidFill>
                     <a:srgbClr val="000000"/>
                   </a:solidFill>
@@ -2164,7 +2169,7 @@
             </a:ln>
             <a:extLst>
               <a:ext uri="{91240B29-F687-4f45-9708-019B960494DF}">
-                <a14:hiddenLine xmlns:a14="http://schemas.microsoft.com/office/drawing/2010/main" xmlns="" w="9525">
+                <a14:hiddenLine xmlns="" xmlns:a14="http://schemas.microsoft.com/office/drawing/2010/main" w="9525">
                   <a:solidFill>
                     <a:srgbClr val="000000"/>
                   </a:solidFill>
@@ -2232,7 +2237,7 @@
             </a:ln>
             <a:extLst>
               <a:ext uri="{91240B29-F687-4f45-9708-019B960494DF}">
-                <a14:hiddenLine xmlns:a14="http://schemas.microsoft.com/office/drawing/2010/main" xmlns="" w="9525">
+                <a14:hiddenLine xmlns="" xmlns:a14="http://schemas.microsoft.com/office/drawing/2010/main" w="9525">
                   <a:solidFill>
                     <a:srgbClr val="000000"/>
                   </a:solidFill>
@@ -2322,7 +2327,7 @@
             </a:ln>
             <a:extLst>
               <a:ext uri="{91240B29-F687-4f45-9708-019B960494DF}">
-                <a14:hiddenLine xmlns:a14="http://schemas.microsoft.com/office/drawing/2010/main" xmlns="" w="9525">
+                <a14:hiddenLine xmlns="" xmlns:a14="http://schemas.microsoft.com/office/drawing/2010/main" w="9525">
                   <a:solidFill>
                     <a:srgbClr val="000000"/>
                   </a:solidFill>
@@ -2356,7 +2361,7 @@
             </a:ln>
             <a:extLst>
               <a:ext uri="{91240B29-F687-4f45-9708-019B960494DF}">
-                <a14:hiddenLine xmlns:a14="http://schemas.microsoft.com/office/drawing/2010/main" xmlns="" w="9525">
+                <a14:hiddenLine xmlns="" xmlns:a14="http://schemas.microsoft.com/office/drawing/2010/main" w="9525">
                   <a:solidFill>
                     <a:srgbClr val="000000"/>
                   </a:solidFill>
@@ -2446,7 +2451,7 @@
             </a:ln>
             <a:extLst>
               <a:ext uri="{91240B29-F687-4f45-9708-019B960494DF}">
-                <a14:hiddenLine xmlns:a14="http://schemas.microsoft.com/office/drawing/2010/main" xmlns="" w="9525">
+                <a14:hiddenLine xmlns="" xmlns:a14="http://schemas.microsoft.com/office/drawing/2010/main" w="9525">
                   <a:solidFill>
                     <a:srgbClr val="000000"/>
                   </a:solidFill>
@@ -2508,7 +2513,7 @@
             </a:ln>
             <a:extLst>
               <a:ext uri="{91240B29-F687-4f45-9708-019B960494DF}">
-                <a14:hiddenLine xmlns:a14="http://schemas.microsoft.com/office/drawing/2010/main" xmlns="" w="9525">
+                <a14:hiddenLine xmlns="" xmlns:a14="http://schemas.microsoft.com/office/drawing/2010/main" w="9525">
                   <a:solidFill>
                     <a:srgbClr val="000000"/>
                   </a:solidFill>
@@ -2570,7 +2575,7 @@
             </a:ln>
             <a:extLst>
               <a:ext uri="{91240B29-F687-4f45-9708-019B960494DF}">
-                <a14:hiddenLine xmlns:a14="http://schemas.microsoft.com/office/drawing/2010/main" xmlns="" w="9525">
+                <a14:hiddenLine xmlns="" xmlns:a14="http://schemas.microsoft.com/office/drawing/2010/main" w="9525">
                   <a:solidFill>
                     <a:srgbClr val="000000"/>
                   </a:solidFill>
@@ -2660,7 +2665,7 @@
             </a:ln>
             <a:extLst>
               <a:ext uri="{91240B29-F687-4f45-9708-019B960494DF}">
-                <a14:hiddenLine xmlns:a14="http://schemas.microsoft.com/office/drawing/2010/main" xmlns="" w="9525">
+                <a14:hiddenLine xmlns="" xmlns:a14="http://schemas.microsoft.com/office/drawing/2010/main" w="9525">
                   <a:solidFill>
                     <a:srgbClr val="000000"/>
                   </a:solidFill>
@@ -2728,7 +2733,7 @@
             </a:ln>
             <a:extLst>
               <a:ext uri="{91240B29-F687-4f45-9708-019B960494DF}">
-                <a14:hiddenLine xmlns:a14="http://schemas.microsoft.com/office/drawing/2010/main" xmlns="" w="9525">
+                <a14:hiddenLine xmlns="" xmlns:a14="http://schemas.microsoft.com/office/drawing/2010/main" w="9525">
                   <a:solidFill>
                     <a:srgbClr val="000000"/>
                   </a:solidFill>
@@ -2790,7 +2795,7 @@
             </a:ln>
             <a:extLst>
               <a:ext uri="{91240B29-F687-4f45-9708-019B960494DF}">
-                <a14:hiddenLine xmlns:a14="http://schemas.microsoft.com/office/drawing/2010/main" xmlns="" w="9525">
+                <a14:hiddenLine xmlns="" xmlns:a14="http://schemas.microsoft.com/office/drawing/2010/main" w="9525">
                   <a:solidFill>
                     <a:srgbClr val="000000"/>
                   </a:solidFill>
@@ -2880,7 +2885,7 @@
             </a:ln>
             <a:extLst>
               <a:ext uri="{91240B29-F687-4f45-9708-019B960494DF}">
-                <a14:hiddenLine xmlns:a14="http://schemas.microsoft.com/office/drawing/2010/main" xmlns="" w="9525">
+                <a14:hiddenLine xmlns="" xmlns:a14="http://schemas.microsoft.com/office/drawing/2010/main" w="9525">
                   <a:solidFill>
                     <a:srgbClr val="000000"/>
                   </a:solidFill>
@@ -2942,7 +2947,7 @@
             </a:ln>
             <a:extLst>
               <a:ext uri="{91240B29-F687-4f45-9708-019B960494DF}">
-                <a14:hiddenLine xmlns:a14="http://schemas.microsoft.com/office/drawing/2010/main" xmlns="" w="9525">
+                <a14:hiddenLine xmlns="" xmlns:a14="http://schemas.microsoft.com/office/drawing/2010/main" w="9525">
                   <a:solidFill>
                     <a:srgbClr val="000000"/>
                   </a:solidFill>
@@ -3032,7 +3037,7 @@
             </a:ln>
             <a:extLst>
               <a:ext uri="{91240B29-F687-4f45-9708-019B960494DF}">
-                <a14:hiddenLine xmlns:a14="http://schemas.microsoft.com/office/drawing/2010/main" xmlns="" w="9525">
+                <a14:hiddenLine xmlns="" xmlns:a14="http://schemas.microsoft.com/office/drawing/2010/main" w="9525">
                   <a:solidFill>
                     <a:srgbClr val="000000"/>
                   </a:solidFill>
@@ -3094,7 +3099,7 @@
             </a:ln>
             <a:extLst>
               <a:ext uri="{91240B29-F687-4f45-9708-019B960494DF}">
-                <a14:hiddenLine xmlns:a14="http://schemas.microsoft.com/office/drawing/2010/main" xmlns="" w="9525">
+                <a14:hiddenLine xmlns="" xmlns:a14="http://schemas.microsoft.com/office/drawing/2010/main" w="9525">
                   <a:solidFill>
                     <a:srgbClr val="000000"/>
                   </a:solidFill>
@@ -3184,7 +3189,7 @@
             </a:ln>
             <a:extLst>
               <a:ext uri="{91240B29-F687-4f45-9708-019B960494DF}">
-                <a14:hiddenLine xmlns:a14="http://schemas.microsoft.com/office/drawing/2010/main" xmlns="" w="9525">
+                <a14:hiddenLine xmlns="" xmlns:a14="http://schemas.microsoft.com/office/drawing/2010/main" w="9525">
                   <a:solidFill>
                     <a:srgbClr val="000000"/>
                   </a:solidFill>
@@ -3218,7 +3223,7 @@
             </a:ln>
             <a:extLst>
               <a:ext uri="{91240B29-F687-4f45-9708-019B960494DF}">
-                <a14:hiddenLine xmlns:a14="http://schemas.microsoft.com/office/drawing/2010/main" xmlns="" w="9525">
+                <a14:hiddenLine xmlns="" xmlns:a14="http://schemas.microsoft.com/office/drawing/2010/main" w="9525">
                   <a:solidFill>
                     <a:srgbClr val="000000"/>
                   </a:solidFill>
@@ -3283,7 +3288,7 @@
             </a:ln>
             <a:extLst>
               <a:ext uri="{91240B29-F687-4f45-9708-019B960494DF}">
-                <a14:hiddenLine xmlns:a14="http://schemas.microsoft.com/office/drawing/2010/main" xmlns="" w="9525">
+                <a14:hiddenLine xmlns="" xmlns:a14="http://schemas.microsoft.com/office/drawing/2010/main" w="9525">
                   <a:solidFill>
                     <a:srgbClr val="000000"/>
                   </a:solidFill>
@@ -3373,7 +3378,7 @@
             </a:ln>
             <a:extLst>
               <a:ext uri="{91240B29-F687-4f45-9708-019B960494DF}">
-                <a14:hiddenLine xmlns:a14="http://schemas.microsoft.com/office/drawing/2010/main" xmlns="" w="9525">
+                <a14:hiddenLine xmlns="" xmlns:a14="http://schemas.microsoft.com/office/drawing/2010/main" w="9525">
                   <a:solidFill>
                     <a:srgbClr val="000000"/>
                   </a:solidFill>
@@ -3435,7 +3440,7 @@
             </a:ln>
             <a:extLst>
               <a:ext uri="{91240B29-F687-4f45-9708-019B960494DF}">
-                <a14:hiddenLine xmlns:a14="http://schemas.microsoft.com/office/drawing/2010/main" xmlns="" w="9525">
+                <a14:hiddenLine xmlns="" xmlns:a14="http://schemas.microsoft.com/office/drawing/2010/main" w="9525">
                   <a:solidFill>
                     <a:srgbClr val="000000"/>
                   </a:solidFill>
@@ -3525,7 +3530,7 @@
             </a:ln>
             <a:extLst>
               <a:ext uri="{91240B29-F687-4f45-9708-019B960494DF}">
-                <a14:hiddenLine xmlns:a14="http://schemas.microsoft.com/office/drawing/2010/main" xmlns="" w="9525">
+                <a14:hiddenLine xmlns="" xmlns:a14="http://schemas.microsoft.com/office/drawing/2010/main" w="9525">
                   <a:solidFill>
                     <a:srgbClr val="000000"/>
                   </a:solidFill>
@@ -3615,7 +3620,7 @@
             </a:ln>
             <a:extLst>
               <a:ext uri="{91240B29-F687-4f45-9708-019B960494DF}">
-                <a14:hiddenLine xmlns:a14="http://schemas.microsoft.com/office/drawing/2010/main" xmlns="" w="9525">
+                <a14:hiddenLine xmlns="" xmlns:a14="http://schemas.microsoft.com/office/drawing/2010/main" w="9525">
                   <a:solidFill>
                     <a:srgbClr val="000000"/>
                   </a:solidFill>
@@ -3680,7 +3685,7 @@
             </a:ln>
             <a:extLst>
               <a:ext uri="{91240B29-F687-4f45-9708-019B960494DF}">
-                <a14:hiddenLine xmlns:a14="http://schemas.microsoft.com/office/drawing/2010/main" xmlns="" w="9525">
+                <a14:hiddenLine xmlns="" xmlns:a14="http://schemas.microsoft.com/office/drawing/2010/main" w="9525">
                   <a:solidFill>
                     <a:srgbClr val="000000"/>
                   </a:solidFill>
@@ -3742,7 +3747,7 @@
             </a:ln>
             <a:extLst>
               <a:ext uri="{91240B29-F687-4f45-9708-019B960494DF}">
-                <a14:hiddenLine xmlns:a14="http://schemas.microsoft.com/office/drawing/2010/main" xmlns="" w="9525">
+                <a14:hiddenLine xmlns="" xmlns:a14="http://schemas.microsoft.com/office/drawing/2010/main" w="9525">
                   <a:solidFill>
                     <a:srgbClr val="000000"/>
                   </a:solidFill>
@@ -3832,7 +3837,7 @@
             </a:ln>
             <a:extLst>
               <a:ext uri="{91240B29-F687-4f45-9708-019B960494DF}">
-                <a14:hiddenLine xmlns:a14="http://schemas.microsoft.com/office/drawing/2010/main" xmlns="" w="9525">
+                <a14:hiddenLine xmlns="" xmlns:a14="http://schemas.microsoft.com/office/drawing/2010/main" w="9525">
                   <a:solidFill>
                     <a:srgbClr val="000000"/>
                   </a:solidFill>
@@ -3922,7 +3927,7 @@
             </a:ln>
             <a:extLst>
               <a:ext uri="{91240B29-F687-4f45-9708-019B960494DF}">
-                <a14:hiddenLine xmlns:a14="http://schemas.microsoft.com/office/drawing/2010/main" xmlns="" w="9525">
+                <a14:hiddenLine xmlns="" xmlns:a14="http://schemas.microsoft.com/office/drawing/2010/main" w="9525">
                   <a:solidFill>
                     <a:srgbClr val="000000"/>
                   </a:solidFill>
@@ -3984,7 +3989,7 @@
             </a:ln>
             <a:extLst>
               <a:ext uri="{91240B29-F687-4f45-9708-019B960494DF}">
-                <a14:hiddenLine xmlns:a14="http://schemas.microsoft.com/office/drawing/2010/main" xmlns="" w="9525">
+                <a14:hiddenLine xmlns="" xmlns:a14="http://schemas.microsoft.com/office/drawing/2010/main" w="9525">
                   <a:solidFill>
                     <a:srgbClr val="000000"/>
                   </a:solidFill>
@@ -4104,7 +4109,7 @@
             </a:ln>
             <a:extLst>
               <a:ext uri="{91240B29-F687-4f45-9708-019B960494DF}">
-                <a14:hiddenLine xmlns:a14="http://schemas.microsoft.com/office/drawing/2010/main" xmlns="" w="9525">
+                <a14:hiddenLine xmlns="" xmlns:a14="http://schemas.microsoft.com/office/drawing/2010/main" w="9525">
                   <a:solidFill>
                     <a:srgbClr val="000000"/>
                   </a:solidFill>
@@ -4172,7 +4177,7 @@
             </a:ln>
             <a:extLst>
               <a:ext uri="{91240B29-F687-4f45-9708-019B960494DF}">
-                <a14:hiddenLine xmlns:a14="http://schemas.microsoft.com/office/drawing/2010/main" xmlns="" w="9525">
+                <a14:hiddenLine xmlns="" xmlns:a14="http://schemas.microsoft.com/office/drawing/2010/main" w="9525">
                   <a:solidFill>
                     <a:srgbClr val="000000"/>
                   </a:solidFill>
@@ -4262,7 +4267,7 @@
             </a:ln>
             <a:extLst>
               <a:ext uri="{91240B29-F687-4f45-9708-019B960494DF}">
-                <a14:hiddenLine xmlns:a14="http://schemas.microsoft.com/office/drawing/2010/main" xmlns="" w="9525">
+                <a14:hiddenLine xmlns="" xmlns:a14="http://schemas.microsoft.com/office/drawing/2010/main" w="9525">
                   <a:solidFill>
                     <a:srgbClr val="000000"/>
                   </a:solidFill>
@@ -4402,7 +4407,7 @@
           <a:p>
             <a:fld id="{AAB26364-E704-4E50-B359-4096379B06A6}" type="datetimeFigureOut">
               <a:rPr lang="en-US" smtClean="0"/>
-              <a:t>6/3/2022</a:t>
+              <a:t>6/4/2022</a:t>
             </a:fld>
             <a:endParaRPr lang="en-US"/>
           </a:p>
@@ -4669,7 +4674,7 @@
           <a:p>
             <a:fld id="{AAB26364-E704-4E50-B359-4096379B06A6}" type="datetimeFigureOut">
               <a:rPr lang="en-US" smtClean="0"/>
-              <a:t>6/3/2022</a:t>
+              <a:t>6/4/2022</a:t>
             </a:fld>
             <a:endParaRPr lang="en-US"/>
           </a:p>
@@ -4865,7 +4870,7 @@
           <a:p>
             <a:fld id="{AAB26364-E704-4E50-B359-4096379B06A6}" type="datetimeFigureOut">
               <a:rPr lang="en-US" smtClean="0"/>
-              <a:t>6/3/2022</a:t>
+              <a:t>6/4/2022</a:t>
             </a:fld>
             <a:endParaRPr lang="en-US"/>
           </a:p>
@@ -5128,7 +5133,7 @@
           <a:p>
             <a:fld id="{AAB26364-E704-4E50-B359-4096379B06A6}" type="datetimeFigureOut">
               <a:rPr lang="en-US" smtClean="0"/>
-              <a:t>6/3/2022</a:t>
+              <a:t>6/4/2022</a:t>
             </a:fld>
             <a:endParaRPr lang="en-US"/>
           </a:p>
@@ -5562,7 +5567,7 @@
           <a:p>
             <a:fld id="{AAB26364-E704-4E50-B359-4096379B06A6}" type="datetimeFigureOut">
               <a:rPr lang="en-US" smtClean="0"/>
-              <a:t>6/3/2022</a:t>
+              <a:t>6/4/2022</a:t>
             </a:fld>
             <a:endParaRPr lang="en-US"/>
           </a:p>
@@ -6108,7 +6113,7 @@
           <a:p>
             <a:fld id="{AAB26364-E704-4E50-B359-4096379B06A6}" type="datetimeFigureOut">
               <a:rPr lang="en-US" smtClean="0"/>
-              <a:t>6/3/2022</a:t>
+              <a:t>6/4/2022</a:t>
             </a:fld>
             <a:endParaRPr lang="en-US"/>
           </a:p>
@@ -6828,7 +6833,7 @@
           <a:p>
             <a:fld id="{AAB26364-E704-4E50-B359-4096379B06A6}" type="datetimeFigureOut">
               <a:rPr lang="en-US" smtClean="0"/>
-              <a:t>6/3/2022</a:t>
+              <a:t>6/4/2022</a:t>
             </a:fld>
             <a:endParaRPr lang="en-US"/>
           </a:p>
@@ -6998,7 +7003,7 @@
           <a:p>
             <a:fld id="{AAB26364-E704-4E50-B359-4096379B06A6}" type="datetimeFigureOut">
               <a:rPr lang="en-US" smtClean="0"/>
-              <a:t>6/3/2022</a:t>
+              <a:t>6/4/2022</a:t>
             </a:fld>
             <a:endParaRPr lang="en-US"/>
           </a:p>
@@ -7178,7 +7183,7 @@
           <a:p>
             <a:fld id="{AAB26364-E704-4E50-B359-4096379B06A6}" type="datetimeFigureOut">
               <a:rPr lang="en-US" smtClean="0"/>
-              <a:t>6/3/2022</a:t>
+              <a:t>6/4/2022</a:t>
             </a:fld>
             <a:endParaRPr lang="en-US"/>
           </a:p>
@@ -7348,7 +7353,7 @@
           <a:p>
             <a:fld id="{AAB26364-E704-4E50-B359-4096379B06A6}" type="datetimeFigureOut">
               <a:rPr lang="en-US" smtClean="0"/>
-              <a:t>6/3/2022</a:t>
+              <a:t>6/4/2022</a:t>
             </a:fld>
             <a:endParaRPr lang="en-US"/>
           </a:p>
@@ -7598,7 +7603,7 @@
           <a:p>
             <a:fld id="{AAB26364-E704-4E50-B359-4096379B06A6}" type="datetimeFigureOut">
               <a:rPr lang="en-US" smtClean="0"/>
-              <a:t>6/3/2022</a:t>
+              <a:t>6/4/2022</a:t>
             </a:fld>
             <a:endParaRPr lang="en-US"/>
           </a:p>
@@ -7830,7 +7835,7 @@
           <a:p>
             <a:fld id="{AAB26364-E704-4E50-B359-4096379B06A6}" type="datetimeFigureOut">
               <a:rPr lang="en-US" smtClean="0"/>
-              <a:t>6/3/2022</a:t>
+              <a:t>6/4/2022</a:t>
             </a:fld>
             <a:endParaRPr lang="en-US"/>
           </a:p>
@@ -8211,7 +8216,7 @@
           <a:p>
             <a:fld id="{AAB26364-E704-4E50-B359-4096379B06A6}" type="datetimeFigureOut">
               <a:rPr lang="en-US" smtClean="0"/>
-              <a:t>6/3/2022</a:t>
+              <a:t>6/4/2022</a:t>
             </a:fld>
             <a:endParaRPr lang="en-US"/>
           </a:p>
@@ -8329,7 +8334,7 @@
           <a:p>
             <a:fld id="{AAB26364-E704-4E50-B359-4096379B06A6}" type="datetimeFigureOut">
               <a:rPr lang="en-US" smtClean="0"/>
-              <a:t>6/3/2022</a:t>
+              <a:t>6/4/2022</a:t>
             </a:fld>
             <a:endParaRPr lang="en-US"/>
           </a:p>
@@ -8424,7 +8429,7 @@
           <a:p>
             <a:fld id="{AAB26364-E704-4E50-B359-4096379B06A6}" type="datetimeFigureOut">
               <a:rPr lang="en-US" smtClean="0"/>
-              <a:t>6/3/2022</a:t>
+              <a:t>6/4/2022</a:t>
             </a:fld>
             <a:endParaRPr lang="en-US"/>
           </a:p>
@@ -8673,7 +8678,7 @@
           <a:p>
             <a:fld id="{AAB26364-E704-4E50-B359-4096379B06A6}" type="datetimeFigureOut">
               <a:rPr lang="en-US" smtClean="0"/>
-              <a:t>6/3/2022</a:t>
+              <a:t>6/4/2022</a:t>
             </a:fld>
             <a:endParaRPr lang="en-US"/>
           </a:p>
@@ -8953,7 +8958,7 @@
           <a:p>
             <a:fld id="{AAB26364-E704-4E50-B359-4096379B06A6}" type="datetimeFigureOut">
               <a:rPr lang="en-US" smtClean="0"/>
-              <a:t>6/3/2022</a:t>
+              <a:t>6/4/2022</a:t>
             </a:fld>
             <a:endParaRPr lang="en-US"/>
           </a:p>
@@ -9069,7 +9074,7 @@
           <a:noFill/>
           <a:extLst>
             <a:ext uri="{909E8E84-426E-40dd-AFC4-6F175D3DCCD1}">
-              <a14:hiddenFill xmlns:a14="http://schemas.microsoft.com/office/drawing/2010/main" xmlns="">
+              <a14:hiddenFill xmlns="" xmlns:a14="http://schemas.microsoft.com/office/drawing/2010/main">
                 <a:solidFill>
                   <a:srgbClr val="FFFFFF"/>
                 </a:solidFill>
@@ -9143,7 +9148,7 @@
               </a:ln>
               <a:extLst>
                 <a:ext uri="{91240B29-F687-4f45-9708-019B960494DF}">
-                  <a14:hiddenLine xmlns:a14="http://schemas.microsoft.com/office/drawing/2010/main" xmlns="" w="9525">
+                  <a14:hiddenLine xmlns="" xmlns:a14="http://schemas.microsoft.com/office/drawing/2010/main" w="9525">
                     <a:solidFill>
                       <a:srgbClr val="000000"/>
                     </a:solidFill>
@@ -9233,7 +9238,7 @@
               </a:ln>
               <a:extLst>
                 <a:ext uri="{91240B29-F687-4f45-9708-019B960494DF}">
-                  <a14:hiddenLine xmlns:a14="http://schemas.microsoft.com/office/drawing/2010/main" xmlns="" w="9525">
+                  <a14:hiddenLine xmlns="" xmlns:a14="http://schemas.microsoft.com/office/drawing/2010/main" w="9525">
                     <a:solidFill>
                       <a:srgbClr val="000000"/>
                     </a:solidFill>
@@ -9323,7 +9328,7 @@
               </a:ln>
               <a:extLst>
                 <a:ext uri="{91240B29-F687-4f45-9708-019B960494DF}">
-                  <a14:hiddenLine xmlns:a14="http://schemas.microsoft.com/office/drawing/2010/main" xmlns="" w="9525">
+                  <a14:hiddenLine xmlns="" xmlns:a14="http://schemas.microsoft.com/office/drawing/2010/main" w="9525">
                     <a:solidFill>
                       <a:srgbClr val="000000"/>
                     </a:solidFill>
@@ -9385,7 +9390,7 @@
               </a:ln>
               <a:extLst>
                 <a:ext uri="{91240B29-F687-4f45-9708-019B960494DF}">
-                  <a14:hiddenLine xmlns:a14="http://schemas.microsoft.com/office/drawing/2010/main" xmlns="" w="9525">
+                  <a14:hiddenLine xmlns="" xmlns:a14="http://schemas.microsoft.com/office/drawing/2010/main" w="9525">
                     <a:solidFill>
                       <a:srgbClr val="000000"/>
                     </a:solidFill>
@@ -9475,7 +9480,7 @@
               </a:ln>
               <a:extLst>
                 <a:ext uri="{91240B29-F687-4f45-9708-019B960494DF}">
-                  <a14:hiddenLine xmlns:a14="http://schemas.microsoft.com/office/drawing/2010/main" xmlns="" w="9525">
+                  <a14:hiddenLine xmlns="" xmlns:a14="http://schemas.microsoft.com/office/drawing/2010/main" w="9525">
                     <a:solidFill>
                       <a:srgbClr val="000000"/>
                     </a:solidFill>
@@ -9537,7 +9542,7 @@
               </a:ln>
               <a:extLst>
                 <a:ext uri="{91240B29-F687-4f45-9708-019B960494DF}">
-                  <a14:hiddenLine xmlns:a14="http://schemas.microsoft.com/office/drawing/2010/main" xmlns="" w="9525">
+                  <a14:hiddenLine xmlns="" xmlns:a14="http://schemas.microsoft.com/office/drawing/2010/main" w="9525">
                     <a:solidFill>
                       <a:srgbClr val="000000"/>
                     </a:solidFill>
@@ -9599,7 +9604,7 @@
               </a:ln>
               <a:extLst>
                 <a:ext uri="{91240B29-F687-4f45-9708-019B960494DF}">
-                  <a14:hiddenLine xmlns:a14="http://schemas.microsoft.com/office/drawing/2010/main" xmlns="" w="9525">
+                  <a14:hiddenLine xmlns="" xmlns:a14="http://schemas.microsoft.com/office/drawing/2010/main" w="9525">
                     <a:solidFill>
                       <a:srgbClr val="000000"/>
                     </a:solidFill>
@@ -9689,7 +9694,7 @@
               </a:ln>
               <a:extLst>
                 <a:ext uri="{91240B29-F687-4f45-9708-019B960494DF}">
-                  <a14:hiddenLine xmlns:a14="http://schemas.microsoft.com/office/drawing/2010/main" xmlns="" w="9525">
+                  <a14:hiddenLine xmlns="" xmlns:a14="http://schemas.microsoft.com/office/drawing/2010/main" w="9525">
                     <a:solidFill>
                       <a:srgbClr val="000000"/>
                     </a:solidFill>
@@ -9779,7 +9784,7 @@
               </a:ln>
               <a:extLst>
                 <a:ext uri="{91240B29-F687-4f45-9708-019B960494DF}">
-                  <a14:hiddenLine xmlns:a14="http://schemas.microsoft.com/office/drawing/2010/main" xmlns="" w="9525">
+                  <a14:hiddenLine xmlns="" xmlns:a14="http://schemas.microsoft.com/office/drawing/2010/main" w="9525">
                     <a:solidFill>
                       <a:srgbClr val="000000"/>
                     </a:solidFill>
@@ -9841,7 +9846,7 @@
               </a:ln>
               <a:extLst>
                 <a:ext uri="{91240B29-F687-4f45-9708-019B960494DF}">
-                  <a14:hiddenLine xmlns:a14="http://schemas.microsoft.com/office/drawing/2010/main" xmlns="" w="9525">
+                  <a14:hiddenLine xmlns="" xmlns:a14="http://schemas.microsoft.com/office/drawing/2010/main" w="9525">
                     <a:solidFill>
                       <a:srgbClr val="000000"/>
                     </a:solidFill>
@@ -9951,7 +9956,7 @@
               </a:ln>
               <a:extLst>
                 <a:ext uri="{91240B29-F687-4f45-9708-019B960494DF}">
-                  <a14:hiddenLine xmlns:a14="http://schemas.microsoft.com/office/drawing/2010/main" xmlns="" w="9525">
+                  <a14:hiddenLine xmlns="" xmlns:a14="http://schemas.microsoft.com/office/drawing/2010/main" w="9525">
                     <a:solidFill>
                       <a:srgbClr val="000000"/>
                     </a:solidFill>
@@ -10035,7 +10040,7 @@
               </a:ln>
               <a:extLst>
                 <a:ext uri="{91240B29-F687-4f45-9708-019B960494DF}">
-                  <a14:hiddenLine xmlns:a14="http://schemas.microsoft.com/office/drawing/2010/main" xmlns="" w="9525">
+                  <a14:hiddenLine xmlns="" xmlns:a14="http://schemas.microsoft.com/office/drawing/2010/main" w="9525">
                     <a:solidFill>
                       <a:srgbClr val="000000"/>
                     </a:solidFill>
@@ -10097,7 +10102,7 @@
               </a:ln>
               <a:extLst>
                 <a:ext uri="{91240B29-F687-4f45-9708-019B960494DF}">
-                  <a14:hiddenLine xmlns:a14="http://schemas.microsoft.com/office/drawing/2010/main" xmlns="" w="9525">
+                  <a14:hiddenLine xmlns="" xmlns:a14="http://schemas.microsoft.com/office/drawing/2010/main" w="9525">
                     <a:solidFill>
                       <a:srgbClr val="000000"/>
                     </a:solidFill>
@@ -10159,7 +10164,7 @@
               </a:ln>
               <a:extLst>
                 <a:ext uri="{91240B29-F687-4f45-9708-019B960494DF}">
-                  <a14:hiddenLine xmlns:a14="http://schemas.microsoft.com/office/drawing/2010/main" xmlns="" w="9525">
+                  <a14:hiddenLine xmlns="" xmlns:a14="http://schemas.microsoft.com/office/drawing/2010/main" w="9525">
                     <a:solidFill>
                       <a:srgbClr val="000000"/>
                     </a:solidFill>
@@ -10249,7 +10254,7 @@
               </a:ln>
               <a:extLst>
                 <a:ext uri="{91240B29-F687-4f45-9708-019B960494DF}">
-                  <a14:hiddenLine xmlns:a14="http://schemas.microsoft.com/office/drawing/2010/main" xmlns="" w="9525">
+                  <a14:hiddenLine xmlns="" xmlns:a14="http://schemas.microsoft.com/office/drawing/2010/main" w="9525">
                     <a:solidFill>
                       <a:srgbClr val="000000"/>
                     </a:solidFill>
@@ -10283,7 +10288,7 @@
               </a:ln>
               <a:extLst>
                 <a:ext uri="{91240B29-F687-4f45-9708-019B960494DF}">
-                  <a14:hiddenLine xmlns:a14="http://schemas.microsoft.com/office/drawing/2010/main" xmlns="" w="9525">
+                  <a14:hiddenLine xmlns="" xmlns:a14="http://schemas.microsoft.com/office/drawing/2010/main" w="9525">
                     <a:solidFill>
                       <a:srgbClr val="000000"/>
                     </a:solidFill>
@@ -10348,7 +10353,7 @@
               </a:ln>
               <a:extLst>
                 <a:ext uri="{91240B29-F687-4f45-9708-019B960494DF}">
-                  <a14:hiddenLine xmlns:a14="http://schemas.microsoft.com/office/drawing/2010/main" xmlns="" w="9525">
+                  <a14:hiddenLine xmlns="" xmlns:a14="http://schemas.microsoft.com/office/drawing/2010/main" w="9525">
                     <a:solidFill>
                       <a:srgbClr val="000000"/>
                     </a:solidFill>
@@ -10438,7 +10443,7 @@
               </a:ln>
               <a:extLst>
                 <a:ext uri="{91240B29-F687-4f45-9708-019B960494DF}">
-                  <a14:hiddenLine xmlns:a14="http://schemas.microsoft.com/office/drawing/2010/main" xmlns="" w="9525">
+                  <a14:hiddenLine xmlns="" xmlns:a14="http://schemas.microsoft.com/office/drawing/2010/main" w="9525">
                     <a:solidFill>
                       <a:srgbClr val="000000"/>
                     </a:solidFill>
@@ -10500,7 +10505,7 @@
               </a:ln>
               <a:extLst>
                 <a:ext uri="{91240B29-F687-4f45-9708-019B960494DF}">
-                  <a14:hiddenLine xmlns:a14="http://schemas.microsoft.com/office/drawing/2010/main" xmlns="" w="9525">
+                  <a14:hiddenLine xmlns="" xmlns:a14="http://schemas.microsoft.com/office/drawing/2010/main" w="9525">
                     <a:solidFill>
                       <a:srgbClr val="000000"/>
                     </a:solidFill>
@@ -10590,7 +10595,7 @@
               </a:ln>
               <a:extLst>
                 <a:ext uri="{91240B29-F687-4f45-9708-019B960494DF}">
-                  <a14:hiddenLine xmlns:a14="http://schemas.microsoft.com/office/drawing/2010/main" xmlns="" w="9525">
+                  <a14:hiddenLine xmlns="" xmlns:a14="http://schemas.microsoft.com/office/drawing/2010/main" w="9525">
                     <a:solidFill>
                       <a:srgbClr val="000000"/>
                     </a:solidFill>
@@ -10655,7 +10660,7 @@
               </a:ln>
               <a:extLst>
                 <a:ext uri="{91240B29-F687-4f45-9708-019B960494DF}">
-                  <a14:hiddenLine xmlns:a14="http://schemas.microsoft.com/office/drawing/2010/main" xmlns="" w="9525">
+                  <a14:hiddenLine xmlns="" xmlns:a14="http://schemas.microsoft.com/office/drawing/2010/main" w="9525">
                     <a:solidFill>
                       <a:srgbClr val="000000"/>
                     </a:solidFill>
@@ -10717,7 +10722,7 @@
               </a:ln>
               <a:extLst>
                 <a:ext uri="{91240B29-F687-4f45-9708-019B960494DF}">
-                  <a14:hiddenLine xmlns:a14="http://schemas.microsoft.com/office/drawing/2010/main" xmlns="" w="9525">
+                  <a14:hiddenLine xmlns="" xmlns:a14="http://schemas.microsoft.com/office/drawing/2010/main" w="9525">
                     <a:solidFill>
                       <a:srgbClr val="000000"/>
                     </a:solidFill>
@@ -10807,7 +10812,7 @@
               </a:ln>
               <a:extLst>
                 <a:ext uri="{91240B29-F687-4f45-9708-019B960494DF}">
-                  <a14:hiddenLine xmlns:a14="http://schemas.microsoft.com/office/drawing/2010/main" xmlns="" w="9525">
+                  <a14:hiddenLine xmlns="" xmlns:a14="http://schemas.microsoft.com/office/drawing/2010/main" w="9525">
                     <a:solidFill>
                       <a:srgbClr val="000000"/>
                     </a:solidFill>
@@ -10897,7 +10902,7 @@
               </a:ln>
               <a:extLst>
                 <a:ext uri="{91240B29-F687-4f45-9708-019B960494DF}">
-                  <a14:hiddenLine xmlns:a14="http://schemas.microsoft.com/office/drawing/2010/main" xmlns="" w="9525">
+                  <a14:hiddenLine xmlns="" xmlns:a14="http://schemas.microsoft.com/office/drawing/2010/main" w="9525">
                     <a:solidFill>
                       <a:srgbClr val="000000"/>
                     </a:solidFill>
@@ -10962,7 +10967,7 @@
               </a:ln>
               <a:extLst>
                 <a:ext uri="{91240B29-F687-4f45-9708-019B960494DF}">
-                  <a14:hiddenLine xmlns:a14="http://schemas.microsoft.com/office/drawing/2010/main" xmlns="" w="9525">
+                  <a14:hiddenLine xmlns="" xmlns:a14="http://schemas.microsoft.com/office/drawing/2010/main" w="9525">
                     <a:solidFill>
                       <a:srgbClr val="000000"/>
                     </a:solidFill>
@@ -11082,7 +11087,7 @@
               </a:ln>
               <a:extLst>
                 <a:ext uri="{91240B29-F687-4f45-9708-019B960494DF}">
-                  <a14:hiddenLine xmlns:a14="http://schemas.microsoft.com/office/drawing/2010/main" xmlns="" w="9525">
+                  <a14:hiddenLine xmlns="" xmlns:a14="http://schemas.microsoft.com/office/drawing/2010/main" w="9525">
                     <a:solidFill>
                       <a:srgbClr val="000000"/>
                     </a:solidFill>
@@ -11180,7 +11185,7 @@
               </a:ln>
               <a:extLst>
                 <a:ext uri="{91240B29-F687-4f45-9708-019B960494DF}">
-                  <a14:hiddenLine xmlns:a14="http://schemas.microsoft.com/office/drawing/2010/main" xmlns="" w="9525">
+                  <a14:hiddenLine xmlns="" xmlns:a14="http://schemas.microsoft.com/office/drawing/2010/main" w="9525">
                     <a:solidFill>
                       <a:srgbClr val="000000"/>
                     </a:solidFill>
@@ -11295,7 +11300,7 @@
               </a:ln>
               <a:extLst>
                 <a:ext uri="{91240B29-F687-4f45-9708-019B960494DF}">
-                  <a14:hiddenLine xmlns:a14="http://schemas.microsoft.com/office/drawing/2010/main" xmlns="" w="9525">
+                  <a14:hiddenLine xmlns="" xmlns:a14="http://schemas.microsoft.com/office/drawing/2010/main" w="9525">
                     <a:solidFill>
                       <a:srgbClr val="000000"/>
                     </a:solidFill>
@@ -11385,7 +11390,7 @@
               </a:ln>
               <a:extLst>
                 <a:ext uri="{91240B29-F687-4f45-9708-019B960494DF}">
-                  <a14:hiddenLine xmlns:a14="http://schemas.microsoft.com/office/drawing/2010/main" xmlns="" w="9525">
+                  <a14:hiddenLine xmlns="" xmlns:a14="http://schemas.microsoft.com/office/drawing/2010/main" w="9525">
                     <a:solidFill>
                       <a:srgbClr val="000000"/>
                     </a:solidFill>
@@ -11450,7 +11455,7 @@
               </a:ln>
               <a:extLst>
                 <a:ext uri="{91240B29-F687-4f45-9708-019B960494DF}">
-                  <a14:hiddenLine xmlns:a14="http://schemas.microsoft.com/office/drawing/2010/main" xmlns="" w="9525">
+                  <a14:hiddenLine xmlns="" xmlns:a14="http://schemas.microsoft.com/office/drawing/2010/main" w="9525">
                     <a:solidFill>
                       <a:srgbClr val="000000"/>
                     </a:solidFill>
@@ -11540,7 +11545,7 @@
               </a:ln>
               <a:extLst>
                 <a:ext uri="{91240B29-F687-4f45-9708-019B960494DF}">
-                  <a14:hiddenLine xmlns:a14="http://schemas.microsoft.com/office/drawing/2010/main" xmlns="" w="9525">
+                  <a14:hiddenLine xmlns="" xmlns:a14="http://schemas.microsoft.com/office/drawing/2010/main" w="9525">
                     <a:solidFill>
                       <a:srgbClr val="000000"/>
                     </a:solidFill>
@@ -11608,7 +11613,7 @@
               </a:ln>
               <a:extLst>
                 <a:ext uri="{91240B29-F687-4f45-9708-019B960494DF}">
-                  <a14:hiddenLine xmlns:a14="http://schemas.microsoft.com/office/drawing/2010/main" xmlns="" w="9525">
+                  <a14:hiddenLine xmlns="" xmlns:a14="http://schemas.microsoft.com/office/drawing/2010/main" w="9525">
                     <a:solidFill>
                       <a:srgbClr val="000000"/>
                     </a:solidFill>
@@ -11698,7 +11703,7 @@
               </a:ln>
               <a:extLst>
                 <a:ext uri="{91240B29-F687-4f45-9708-019B960494DF}">
-                  <a14:hiddenLine xmlns:a14="http://schemas.microsoft.com/office/drawing/2010/main" xmlns="" w="9525">
+                  <a14:hiddenLine xmlns="" xmlns:a14="http://schemas.microsoft.com/office/drawing/2010/main" w="9525">
                     <a:solidFill>
                       <a:srgbClr val="000000"/>
                     </a:solidFill>
@@ -11766,7 +11771,7 @@
               </a:ln>
               <a:extLst>
                 <a:ext uri="{91240B29-F687-4f45-9708-019B960494DF}">
-                  <a14:hiddenLine xmlns:a14="http://schemas.microsoft.com/office/drawing/2010/main" xmlns="" w="9525">
+                  <a14:hiddenLine xmlns="" xmlns:a14="http://schemas.microsoft.com/office/drawing/2010/main" w="9525">
                     <a:solidFill>
                       <a:srgbClr val="000000"/>
                     </a:solidFill>
@@ -11856,7 +11861,7 @@
               </a:ln>
               <a:extLst>
                 <a:ext uri="{91240B29-F687-4f45-9708-019B960494DF}">
-                  <a14:hiddenLine xmlns:a14="http://schemas.microsoft.com/office/drawing/2010/main" xmlns="" w="9525">
+                  <a14:hiddenLine xmlns="" xmlns:a14="http://schemas.microsoft.com/office/drawing/2010/main" w="9525">
                     <a:solidFill>
                       <a:srgbClr val="000000"/>
                     </a:solidFill>
@@ -11890,7 +11895,7 @@
               </a:ln>
               <a:extLst>
                 <a:ext uri="{91240B29-F687-4f45-9708-019B960494DF}">
-                  <a14:hiddenLine xmlns:a14="http://schemas.microsoft.com/office/drawing/2010/main" xmlns="" w="9525">
+                  <a14:hiddenLine xmlns="" xmlns:a14="http://schemas.microsoft.com/office/drawing/2010/main" w="9525">
                     <a:solidFill>
                       <a:srgbClr val="000000"/>
                     </a:solidFill>
@@ -12030,7 +12035,7 @@
           <a:p>
             <a:fld id="{AAB26364-E704-4E50-B359-4096379B06A6}" type="datetimeFigureOut">
               <a:rPr lang="en-US" smtClean="0"/>
-              <a:t>6/3/2022</a:t>
+              <a:t>6/4/2022</a:t>
             </a:fld>
             <a:endParaRPr lang="en-US"/>
           </a:p>
@@ -14630,8 +14635,19 @@
                 <a:latin typeface="Times New Roman" panose="02020603050405020304" pitchFamily="18" charset="0"/>
                 <a:cs typeface="Times New Roman" panose="02020603050405020304" pitchFamily="18" charset="0"/>
               </a:rPr>
-              <a:t>The model accuracy is 97%</a:t>
-            </a:r>
+              <a:t>The model accuracy </a:t>
+            </a:r>
+            <a:r>
+              <a:rPr lang="en-US" sz="2400">
+                <a:latin typeface="Times New Roman" panose="02020603050405020304" pitchFamily="18" charset="0"/>
+                <a:cs typeface="Times New Roman" panose="02020603050405020304" pitchFamily="18" charset="0"/>
+              </a:rPr>
+              <a:t>is 93%</a:t>
+            </a:r>
+            <a:endParaRPr lang="en-US" sz="2400" dirty="0">
+              <a:latin typeface="Times New Roman" panose="02020603050405020304" pitchFamily="18" charset="0"/>
+              <a:cs typeface="Times New Roman" panose="02020603050405020304" pitchFamily="18" charset="0"/>
+            </a:endParaRPr>
           </a:p>
         </p:txBody>
       </p:sp>
@@ -14905,7 +14921,7 @@
                 <a:ea typeface="Calibri" panose="020F0502020204030204" pitchFamily="34" charset="0"/>
                 <a:cs typeface="Times New Roman" panose="02020603050405020304" pitchFamily="18" charset="0"/>
               </a:rPr>
-              <a:t>The logistic regression model accuracy is 97%.</a:t>
+              <a:t>The logistic regression model accuracy is 93%.</a:t>
             </a:r>
           </a:p>
           <a:p>

--- a/DataScienceProject-1/Project_Presentation_MeenaGummadi.pptx
+++ b/DataScienceProject-1/Project_Presentation_MeenaGummadi.pptx
@@ -181,7 +181,7 @@
           <a:noFill/>
           <a:extLst>
             <a:ext uri="{909E8E84-426E-40dd-AFC4-6F175D3DCCD1}">
-              <a14:hiddenFill xmlns="" xmlns:a14="http://schemas.microsoft.com/office/drawing/2010/main">
+              <a14:hiddenFill xmlns:a14="http://schemas.microsoft.com/office/drawing/2010/main" xmlns="">
                 <a:solidFill>
                   <a:srgbClr val="FFFFFF"/>
                 </a:solidFill>
@@ -241,7 +241,7 @@
             </a:ln>
             <a:extLst>
               <a:ext uri="{91240B29-F687-4f45-9708-019B960494DF}">
-                <a14:hiddenLine xmlns="" xmlns:a14="http://schemas.microsoft.com/office/drawing/2010/main" w="9525">
+                <a14:hiddenLine xmlns:a14="http://schemas.microsoft.com/office/drawing/2010/main" xmlns="" w="9525">
                   <a:solidFill>
                     <a:srgbClr val="000000"/>
                   </a:solidFill>
@@ -331,7 +331,7 @@
             </a:ln>
             <a:extLst>
               <a:ext uri="{91240B29-F687-4f45-9708-019B960494DF}">
-                <a14:hiddenLine xmlns="" xmlns:a14="http://schemas.microsoft.com/office/drawing/2010/main" w="9525">
+                <a14:hiddenLine xmlns:a14="http://schemas.microsoft.com/office/drawing/2010/main" xmlns="" w="9525">
                   <a:solidFill>
                     <a:srgbClr val="000000"/>
                   </a:solidFill>
@@ -421,7 +421,7 @@
             </a:ln>
             <a:extLst>
               <a:ext uri="{91240B29-F687-4f45-9708-019B960494DF}">
-                <a14:hiddenLine xmlns="" xmlns:a14="http://schemas.microsoft.com/office/drawing/2010/main" w="9525">
+                <a14:hiddenLine xmlns:a14="http://schemas.microsoft.com/office/drawing/2010/main" xmlns="" w="9525">
                   <a:solidFill>
                     <a:srgbClr val="000000"/>
                   </a:solidFill>
@@ -455,7 +455,7 @@
             </a:ln>
             <a:extLst>
               <a:ext uri="{91240B29-F687-4f45-9708-019B960494DF}">
-                <a14:hiddenLine xmlns="" xmlns:a14="http://schemas.microsoft.com/office/drawing/2010/main" w="9525">
+                <a14:hiddenLine xmlns:a14="http://schemas.microsoft.com/office/drawing/2010/main" xmlns="" w="9525">
                   <a:solidFill>
                     <a:srgbClr val="000000"/>
                   </a:solidFill>
@@ -545,7 +545,7 @@
             </a:ln>
             <a:extLst>
               <a:ext uri="{91240B29-F687-4f45-9708-019B960494DF}">
-                <a14:hiddenLine xmlns="" xmlns:a14="http://schemas.microsoft.com/office/drawing/2010/main" w="9525">
+                <a14:hiddenLine xmlns:a14="http://schemas.microsoft.com/office/drawing/2010/main" xmlns="" w="9525">
                   <a:solidFill>
                     <a:srgbClr val="000000"/>
                   </a:solidFill>
@@ -607,7 +607,7 @@
             </a:ln>
             <a:extLst>
               <a:ext uri="{91240B29-F687-4f45-9708-019B960494DF}">
-                <a14:hiddenLine xmlns="" xmlns:a14="http://schemas.microsoft.com/office/drawing/2010/main" w="9525">
+                <a14:hiddenLine xmlns:a14="http://schemas.microsoft.com/office/drawing/2010/main" xmlns="" w="9525">
                   <a:solidFill>
                     <a:srgbClr val="000000"/>
                   </a:solidFill>
@@ -669,7 +669,7 @@
             </a:ln>
             <a:extLst>
               <a:ext uri="{91240B29-F687-4f45-9708-019B960494DF}">
-                <a14:hiddenLine xmlns="" xmlns:a14="http://schemas.microsoft.com/office/drawing/2010/main" w="9525">
+                <a14:hiddenLine xmlns:a14="http://schemas.microsoft.com/office/drawing/2010/main" xmlns="" w="9525">
                   <a:solidFill>
                     <a:srgbClr val="000000"/>
                   </a:solidFill>
@@ -759,7 +759,7 @@
             </a:ln>
             <a:extLst>
               <a:ext uri="{91240B29-F687-4f45-9708-019B960494DF}">
-                <a14:hiddenLine xmlns="" xmlns:a14="http://schemas.microsoft.com/office/drawing/2010/main" w="9525">
+                <a14:hiddenLine xmlns:a14="http://schemas.microsoft.com/office/drawing/2010/main" xmlns="" w="9525">
                   <a:solidFill>
                     <a:srgbClr val="000000"/>
                   </a:solidFill>
@@ -821,7 +821,7 @@
             </a:ln>
             <a:extLst>
               <a:ext uri="{91240B29-F687-4f45-9708-019B960494DF}">
-                <a14:hiddenLine xmlns="" xmlns:a14="http://schemas.microsoft.com/office/drawing/2010/main" w="9525">
+                <a14:hiddenLine xmlns:a14="http://schemas.microsoft.com/office/drawing/2010/main" xmlns="" w="9525">
                   <a:solidFill>
                     <a:srgbClr val="000000"/>
                   </a:solidFill>
@@ -883,7 +883,7 @@
             </a:ln>
             <a:extLst>
               <a:ext uri="{91240B29-F687-4f45-9708-019B960494DF}">
-                <a14:hiddenLine xmlns="" xmlns:a14="http://schemas.microsoft.com/office/drawing/2010/main" w="9525">
+                <a14:hiddenLine xmlns:a14="http://schemas.microsoft.com/office/drawing/2010/main" xmlns="" w="9525">
                   <a:solidFill>
                     <a:srgbClr val="000000"/>
                   </a:solidFill>
@@ -973,7 +973,7 @@
             </a:ln>
             <a:extLst>
               <a:ext uri="{91240B29-F687-4f45-9708-019B960494DF}">
-                <a14:hiddenLine xmlns="" xmlns:a14="http://schemas.microsoft.com/office/drawing/2010/main" w="9525">
+                <a14:hiddenLine xmlns:a14="http://schemas.microsoft.com/office/drawing/2010/main" xmlns="" w="9525">
                   <a:solidFill>
                     <a:srgbClr val="000000"/>
                   </a:solidFill>
@@ -1063,7 +1063,7 @@
             </a:ln>
             <a:extLst>
               <a:ext uri="{91240B29-F687-4f45-9708-019B960494DF}">
-                <a14:hiddenLine xmlns="" xmlns:a14="http://schemas.microsoft.com/office/drawing/2010/main" w="9525">
+                <a14:hiddenLine xmlns:a14="http://schemas.microsoft.com/office/drawing/2010/main" xmlns="" w="9525">
                   <a:solidFill>
                     <a:srgbClr val="000000"/>
                   </a:solidFill>
@@ -1125,7 +1125,7 @@
             </a:ln>
             <a:extLst>
               <a:ext uri="{91240B29-F687-4f45-9708-019B960494DF}">
-                <a14:hiddenLine xmlns="" xmlns:a14="http://schemas.microsoft.com/office/drawing/2010/main" w="9525">
+                <a14:hiddenLine xmlns:a14="http://schemas.microsoft.com/office/drawing/2010/main" xmlns="" w="9525">
                   <a:solidFill>
                     <a:srgbClr val="000000"/>
                   </a:solidFill>
@@ -1235,7 +1235,7 @@
             </a:ln>
             <a:extLst>
               <a:ext uri="{91240B29-F687-4f45-9708-019B960494DF}">
-                <a14:hiddenLine xmlns="" xmlns:a14="http://schemas.microsoft.com/office/drawing/2010/main" w="9525">
+                <a14:hiddenLine xmlns:a14="http://schemas.microsoft.com/office/drawing/2010/main" xmlns="" w="9525">
                   <a:solidFill>
                     <a:srgbClr val="000000"/>
                   </a:solidFill>
@@ -1297,7 +1297,7 @@
             </a:ln>
             <a:extLst>
               <a:ext uri="{91240B29-F687-4f45-9708-019B960494DF}">
-                <a14:hiddenLine xmlns="" xmlns:a14="http://schemas.microsoft.com/office/drawing/2010/main" w="9525">
+                <a14:hiddenLine xmlns:a14="http://schemas.microsoft.com/office/drawing/2010/main" xmlns="" w="9525">
                   <a:solidFill>
                     <a:srgbClr val="000000"/>
                   </a:solidFill>
@@ -1387,7 +1387,7 @@
             </a:ln>
             <a:extLst>
               <a:ext uri="{91240B29-F687-4f45-9708-019B960494DF}">
-                <a14:hiddenLine xmlns="" xmlns:a14="http://schemas.microsoft.com/office/drawing/2010/main" w="9525">
+                <a14:hiddenLine xmlns:a14="http://schemas.microsoft.com/office/drawing/2010/main" xmlns="" w="9525">
                   <a:solidFill>
                     <a:srgbClr val="000000"/>
                   </a:solidFill>
@@ -1477,7 +1477,7 @@
             </a:ln>
             <a:extLst>
               <a:ext uri="{91240B29-F687-4f45-9708-019B960494DF}">
-                <a14:hiddenLine xmlns="" xmlns:a14="http://schemas.microsoft.com/office/drawing/2010/main" w="9525">
+                <a14:hiddenLine xmlns:a14="http://schemas.microsoft.com/office/drawing/2010/main" xmlns="" w="9525">
                   <a:solidFill>
                     <a:srgbClr val="000000"/>
                   </a:solidFill>
@@ -1539,7 +1539,7 @@
             </a:ln>
             <a:extLst>
               <a:ext uri="{91240B29-F687-4f45-9708-019B960494DF}">
-                <a14:hiddenLine xmlns="" xmlns:a14="http://schemas.microsoft.com/office/drawing/2010/main" w="9525">
+                <a14:hiddenLine xmlns:a14="http://schemas.microsoft.com/office/drawing/2010/main" xmlns="" w="9525">
                   <a:solidFill>
                     <a:srgbClr val="000000"/>
                   </a:solidFill>
@@ -1629,7 +1629,7 @@
             </a:ln>
             <a:extLst>
               <a:ext uri="{91240B29-F687-4f45-9708-019B960494DF}">
-                <a14:hiddenLine xmlns="" xmlns:a14="http://schemas.microsoft.com/office/drawing/2010/main" w="9525">
+                <a14:hiddenLine xmlns:a14="http://schemas.microsoft.com/office/drawing/2010/main" xmlns="" w="9525">
                   <a:solidFill>
                     <a:srgbClr val="000000"/>
                   </a:solidFill>
@@ -1719,7 +1719,7 @@
             </a:ln>
             <a:extLst>
               <a:ext uri="{91240B29-F687-4f45-9708-019B960494DF}">
-                <a14:hiddenLine xmlns="" xmlns:a14="http://schemas.microsoft.com/office/drawing/2010/main" w="9525">
+                <a14:hiddenLine xmlns:a14="http://schemas.microsoft.com/office/drawing/2010/main" xmlns="" w="9525">
                   <a:solidFill>
                     <a:srgbClr val="000000"/>
                   </a:solidFill>
@@ -1775,7 +1775,7 @@
             </a:ln>
             <a:extLst>
               <a:ext uri="{91240B29-F687-4f45-9708-019B960494DF}">
-                <a14:hiddenLine xmlns="" xmlns:a14="http://schemas.microsoft.com/office/drawing/2010/main" w="9525">
+                <a14:hiddenLine xmlns:a14="http://schemas.microsoft.com/office/drawing/2010/main" xmlns="" w="9525">
                   <a:solidFill>
                     <a:srgbClr val="000000"/>
                   </a:solidFill>
@@ -1865,7 +1865,7 @@
             </a:ln>
             <a:extLst>
               <a:ext uri="{91240B29-F687-4f45-9708-019B960494DF}">
-                <a14:hiddenLine xmlns="" xmlns:a14="http://schemas.microsoft.com/office/drawing/2010/main" w="9525">
+                <a14:hiddenLine xmlns:a14="http://schemas.microsoft.com/office/drawing/2010/main" xmlns="" w="9525">
                   <a:solidFill>
                     <a:srgbClr val="000000"/>
                   </a:solidFill>
@@ -1921,7 +1921,7 @@
             </a:ln>
             <a:extLst>
               <a:ext uri="{91240B29-F687-4f45-9708-019B960494DF}">
-                <a14:hiddenLine xmlns="" xmlns:a14="http://schemas.microsoft.com/office/drawing/2010/main" w="9525">
+                <a14:hiddenLine xmlns:a14="http://schemas.microsoft.com/office/drawing/2010/main" xmlns="" w="9525">
                   <a:solidFill>
                     <a:srgbClr val="000000"/>
                   </a:solidFill>
@@ -2011,7 +2011,7 @@
             </a:ln>
             <a:extLst>
               <a:ext uri="{91240B29-F687-4f45-9708-019B960494DF}">
-                <a14:hiddenLine xmlns="" xmlns:a14="http://schemas.microsoft.com/office/drawing/2010/main" w="9525">
+                <a14:hiddenLine xmlns:a14="http://schemas.microsoft.com/office/drawing/2010/main" xmlns="" w="9525">
                   <a:solidFill>
                     <a:srgbClr val="000000"/>
                   </a:solidFill>
@@ -2079,7 +2079,7 @@
             </a:ln>
             <a:extLst>
               <a:ext uri="{91240B29-F687-4f45-9708-019B960494DF}">
-                <a14:hiddenLine xmlns="" xmlns:a14="http://schemas.microsoft.com/office/drawing/2010/main" w="9525">
+                <a14:hiddenLine xmlns:a14="http://schemas.microsoft.com/office/drawing/2010/main" xmlns="" w="9525">
                   <a:solidFill>
                     <a:srgbClr val="000000"/>
                   </a:solidFill>
@@ -2169,7 +2169,7 @@
             </a:ln>
             <a:extLst>
               <a:ext uri="{91240B29-F687-4f45-9708-019B960494DF}">
-                <a14:hiddenLine xmlns="" xmlns:a14="http://schemas.microsoft.com/office/drawing/2010/main" w="9525">
+                <a14:hiddenLine xmlns:a14="http://schemas.microsoft.com/office/drawing/2010/main" xmlns="" w="9525">
                   <a:solidFill>
                     <a:srgbClr val="000000"/>
                   </a:solidFill>
@@ -2237,7 +2237,7 @@
             </a:ln>
             <a:extLst>
               <a:ext uri="{91240B29-F687-4f45-9708-019B960494DF}">
-                <a14:hiddenLine xmlns="" xmlns:a14="http://schemas.microsoft.com/office/drawing/2010/main" w="9525">
+                <a14:hiddenLine xmlns:a14="http://schemas.microsoft.com/office/drawing/2010/main" xmlns="" w="9525">
                   <a:solidFill>
                     <a:srgbClr val="000000"/>
                   </a:solidFill>
@@ -2327,7 +2327,7 @@
             </a:ln>
             <a:extLst>
               <a:ext uri="{91240B29-F687-4f45-9708-019B960494DF}">
-                <a14:hiddenLine xmlns="" xmlns:a14="http://schemas.microsoft.com/office/drawing/2010/main" w="9525">
+                <a14:hiddenLine xmlns:a14="http://schemas.microsoft.com/office/drawing/2010/main" xmlns="" w="9525">
                   <a:solidFill>
                     <a:srgbClr val="000000"/>
                   </a:solidFill>
@@ -2361,7 +2361,7 @@
             </a:ln>
             <a:extLst>
               <a:ext uri="{91240B29-F687-4f45-9708-019B960494DF}">
-                <a14:hiddenLine xmlns="" xmlns:a14="http://schemas.microsoft.com/office/drawing/2010/main" w="9525">
+                <a14:hiddenLine xmlns:a14="http://schemas.microsoft.com/office/drawing/2010/main" xmlns="" w="9525">
                   <a:solidFill>
                     <a:srgbClr val="000000"/>
                   </a:solidFill>
@@ -2451,7 +2451,7 @@
             </a:ln>
             <a:extLst>
               <a:ext uri="{91240B29-F687-4f45-9708-019B960494DF}">
-                <a14:hiddenLine xmlns="" xmlns:a14="http://schemas.microsoft.com/office/drawing/2010/main" w="9525">
+                <a14:hiddenLine xmlns:a14="http://schemas.microsoft.com/office/drawing/2010/main" xmlns="" w="9525">
                   <a:solidFill>
                     <a:srgbClr val="000000"/>
                   </a:solidFill>
@@ -2513,7 +2513,7 @@
             </a:ln>
             <a:extLst>
               <a:ext uri="{91240B29-F687-4f45-9708-019B960494DF}">
-                <a14:hiddenLine xmlns="" xmlns:a14="http://schemas.microsoft.com/office/drawing/2010/main" w="9525">
+                <a14:hiddenLine xmlns:a14="http://schemas.microsoft.com/office/drawing/2010/main" xmlns="" w="9525">
                   <a:solidFill>
                     <a:srgbClr val="000000"/>
                   </a:solidFill>
@@ -2575,7 +2575,7 @@
             </a:ln>
             <a:extLst>
               <a:ext uri="{91240B29-F687-4f45-9708-019B960494DF}">
-                <a14:hiddenLine xmlns="" xmlns:a14="http://schemas.microsoft.com/office/drawing/2010/main" w="9525">
+                <a14:hiddenLine xmlns:a14="http://schemas.microsoft.com/office/drawing/2010/main" xmlns="" w="9525">
                   <a:solidFill>
                     <a:srgbClr val="000000"/>
                   </a:solidFill>
@@ -2665,7 +2665,7 @@
             </a:ln>
             <a:extLst>
               <a:ext uri="{91240B29-F687-4f45-9708-019B960494DF}">
-                <a14:hiddenLine xmlns="" xmlns:a14="http://schemas.microsoft.com/office/drawing/2010/main" w="9525">
+                <a14:hiddenLine xmlns:a14="http://schemas.microsoft.com/office/drawing/2010/main" xmlns="" w="9525">
                   <a:solidFill>
                     <a:srgbClr val="000000"/>
                   </a:solidFill>
@@ -2733,7 +2733,7 @@
             </a:ln>
             <a:extLst>
               <a:ext uri="{91240B29-F687-4f45-9708-019B960494DF}">
-                <a14:hiddenLine xmlns="" xmlns:a14="http://schemas.microsoft.com/office/drawing/2010/main" w="9525">
+                <a14:hiddenLine xmlns:a14="http://schemas.microsoft.com/office/drawing/2010/main" xmlns="" w="9525">
                   <a:solidFill>
                     <a:srgbClr val="000000"/>
                   </a:solidFill>
@@ -2795,7 +2795,7 @@
             </a:ln>
             <a:extLst>
               <a:ext uri="{91240B29-F687-4f45-9708-019B960494DF}">
-                <a14:hiddenLine xmlns="" xmlns:a14="http://schemas.microsoft.com/office/drawing/2010/main" w="9525">
+                <a14:hiddenLine xmlns:a14="http://schemas.microsoft.com/office/drawing/2010/main" xmlns="" w="9525">
                   <a:solidFill>
                     <a:srgbClr val="000000"/>
                   </a:solidFill>
@@ -2885,7 +2885,7 @@
             </a:ln>
             <a:extLst>
               <a:ext uri="{91240B29-F687-4f45-9708-019B960494DF}">
-                <a14:hiddenLine xmlns="" xmlns:a14="http://schemas.microsoft.com/office/drawing/2010/main" w="9525">
+                <a14:hiddenLine xmlns:a14="http://schemas.microsoft.com/office/drawing/2010/main" xmlns="" w="9525">
                   <a:solidFill>
                     <a:srgbClr val="000000"/>
                   </a:solidFill>
@@ -2947,7 +2947,7 @@
             </a:ln>
             <a:extLst>
               <a:ext uri="{91240B29-F687-4f45-9708-019B960494DF}">
-                <a14:hiddenLine xmlns="" xmlns:a14="http://schemas.microsoft.com/office/drawing/2010/main" w="9525">
+                <a14:hiddenLine xmlns:a14="http://schemas.microsoft.com/office/drawing/2010/main" xmlns="" w="9525">
                   <a:solidFill>
                     <a:srgbClr val="000000"/>
                   </a:solidFill>
@@ -3037,7 +3037,7 @@
             </a:ln>
             <a:extLst>
               <a:ext uri="{91240B29-F687-4f45-9708-019B960494DF}">
-                <a14:hiddenLine xmlns="" xmlns:a14="http://schemas.microsoft.com/office/drawing/2010/main" w="9525">
+                <a14:hiddenLine xmlns:a14="http://schemas.microsoft.com/office/drawing/2010/main" xmlns="" w="9525">
                   <a:solidFill>
                     <a:srgbClr val="000000"/>
                   </a:solidFill>
@@ -3099,7 +3099,7 @@
             </a:ln>
             <a:extLst>
               <a:ext uri="{91240B29-F687-4f45-9708-019B960494DF}">
-                <a14:hiddenLine xmlns="" xmlns:a14="http://schemas.microsoft.com/office/drawing/2010/main" w="9525">
+                <a14:hiddenLine xmlns:a14="http://schemas.microsoft.com/office/drawing/2010/main" xmlns="" w="9525">
                   <a:solidFill>
                     <a:srgbClr val="000000"/>
                   </a:solidFill>
@@ -3189,7 +3189,7 @@
             </a:ln>
             <a:extLst>
               <a:ext uri="{91240B29-F687-4f45-9708-019B960494DF}">
-                <a14:hiddenLine xmlns="" xmlns:a14="http://schemas.microsoft.com/office/drawing/2010/main" w="9525">
+                <a14:hiddenLine xmlns:a14="http://schemas.microsoft.com/office/drawing/2010/main" xmlns="" w="9525">
                   <a:solidFill>
                     <a:srgbClr val="000000"/>
                   </a:solidFill>
@@ -3223,7 +3223,7 @@
             </a:ln>
             <a:extLst>
               <a:ext uri="{91240B29-F687-4f45-9708-019B960494DF}">
-                <a14:hiddenLine xmlns="" xmlns:a14="http://schemas.microsoft.com/office/drawing/2010/main" w="9525">
+                <a14:hiddenLine xmlns:a14="http://schemas.microsoft.com/office/drawing/2010/main" xmlns="" w="9525">
                   <a:solidFill>
                     <a:srgbClr val="000000"/>
                   </a:solidFill>
@@ -3288,7 +3288,7 @@
             </a:ln>
             <a:extLst>
               <a:ext uri="{91240B29-F687-4f45-9708-019B960494DF}">
-                <a14:hiddenLine xmlns="" xmlns:a14="http://schemas.microsoft.com/office/drawing/2010/main" w="9525">
+                <a14:hiddenLine xmlns:a14="http://schemas.microsoft.com/office/drawing/2010/main" xmlns="" w="9525">
                   <a:solidFill>
                     <a:srgbClr val="000000"/>
                   </a:solidFill>
@@ -3378,7 +3378,7 @@
             </a:ln>
             <a:extLst>
               <a:ext uri="{91240B29-F687-4f45-9708-019B960494DF}">
-                <a14:hiddenLine xmlns="" xmlns:a14="http://schemas.microsoft.com/office/drawing/2010/main" w="9525">
+                <a14:hiddenLine xmlns:a14="http://schemas.microsoft.com/office/drawing/2010/main" xmlns="" w="9525">
                   <a:solidFill>
                     <a:srgbClr val="000000"/>
                   </a:solidFill>
@@ -3440,7 +3440,7 @@
             </a:ln>
             <a:extLst>
               <a:ext uri="{91240B29-F687-4f45-9708-019B960494DF}">
-                <a14:hiddenLine xmlns="" xmlns:a14="http://schemas.microsoft.com/office/drawing/2010/main" w="9525">
+                <a14:hiddenLine xmlns:a14="http://schemas.microsoft.com/office/drawing/2010/main" xmlns="" w="9525">
                   <a:solidFill>
                     <a:srgbClr val="000000"/>
                   </a:solidFill>
@@ -3530,7 +3530,7 @@
             </a:ln>
             <a:extLst>
               <a:ext uri="{91240B29-F687-4f45-9708-019B960494DF}">
-                <a14:hiddenLine xmlns="" xmlns:a14="http://schemas.microsoft.com/office/drawing/2010/main" w="9525">
+                <a14:hiddenLine xmlns:a14="http://schemas.microsoft.com/office/drawing/2010/main" xmlns="" w="9525">
                   <a:solidFill>
                     <a:srgbClr val="000000"/>
                   </a:solidFill>
@@ -3620,7 +3620,7 @@
             </a:ln>
             <a:extLst>
               <a:ext uri="{91240B29-F687-4f45-9708-019B960494DF}">
-                <a14:hiddenLine xmlns="" xmlns:a14="http://schemas.microsoft.com/office/drawing/2010/main" w="9525">
+                <a14:hiddenLine xmlns:a14="http://schemas.microsoft.com/office/drawing/2010/main" xmlns="" w="9525">
                   <a:solidFill>
                     <a:srgbClr val="000000"/>
                   </a:solidFill>
@@ -3685,7 +3685,7 @@
             </a:ln>
             <a:extLst>
               <a:ext uri="{91240B29-F687-4f45-9708-019B960494DF}">
-                <a14:hiddenLine xmlns="" xmlns:a14="http://schemas.microsoft.com/office/drawing/2010/main" w="9525">
+                <a14:hiddenLine xmlns:a14="http://schemas.microsoft.com/office/drawing/2010/main" xmlns="" w="9525">
                   <a:solidFill>
                     <a:srgbClr val="000000"/>
                   </a:solidFill>
@@ -3747,7 +3747,7 @@
             </a:ln>
             <a:extLst>
               <a:ext uri="{91240B29-F687-4f45-9708-019B960494DF}">
-                <a14:hiddenLine xmlns="" xmlns:a14="http://schemas.microsoft.com/office/drawing/2010/main" w="9525">
+                <a14:hiddenLine xmlns:a14="http://schemas.microsoft.com/office/drawing/2010/main" xmlns="" w="9525">
                   <a:solidFill>
                     <a:srgbClr val="000000"/>
                   </a:solidFill>
@@ -3837,7 +3837,7 @@
             </a:ln>
             <a:extLst>
               <a:ext uri="{91240B29-F687-4f45-9708-019B960494DF}">
-                <a14:hiddenLine xmlns="" xmlns:a14="http://schemas.microsoft.com/office/drawing/2010/main" w="9525">
+                <a14:hiddenLine xmlns:a14="http://schemas.microsoft.com/office/drawing/2010/main" xmlns="" w="9525">
                   <a:solidFill>
                     <a:srgbClr val="000000"/>
                   </a:solidFill>
@@ -3927,7 +3927,7 @@
             </a:ln>
             <a:extLst>
               <a:ext uri="{91240B29-F687-4f45-9708-019B960494DF}">
-                <a14:hiddenLine xmlns="" xmlns:a14="http://schemas.microsoft.com/office/drawing/2010/main" w="9525">
+                <a14:hiddenLine xmlns:a14="http://schemas.microsoft.com/office/drawing/2010/main" xmlns="" w="9525">
                   <a:solidFill>
                     <a:srgbClr val="000000"/>
                   </a:solidFill>
@@ -3989,7 +3989,7 @@
             </a:ln>
             <a:extLst>
               <a:ext uri="{91240B29-F687-4f45-9708-019B960494DF}">
-                <a14:hiddenLine xmlns="" xmlns:a14="http://schemas.microsoft.com/office/drawing/2010/main" w="9525">
+                <a14:hiddenLine xmlns:a14="http://schemas.microsoft.com/office/drawing/2010/main" xmlns="" w="9525">
                   <a:solidFill>
                     <a:srgbClr val="000000"/>
                   </a:solidFill>
@@ -4109,7 +4109,7 @@
             </a:ln>
             <a:extLst>
               <a:ext uri="{91240B29-F687-4f45-9708-019B960494DF}">
-                <a14:hiddenLine xmlns="" xmlns:a14="http://schemas.microsoft.com/office/drawing/2010/main" w="9525">
+                <a14:hiddenLine xmlns:a14="http://schemas.microsoft.com/office/drawing/2010/main" xmlns="" w="9525">
                   <a:solidFill>
                     <a:srgbClr val="000000"/>
                   </a:solidFill>
@@ -4177,7 +4177,7 @@
             </a:ln>
             <a:extLst>
               <a:ext uri="{91240B29-F687-4f45-9708-019B960494DF}">
-                <a14:hiddenLine xmlns="" xmlns:a14="http://schemas.microsoft.com/office/drawing/2010/main" w="9525">
+                <a14:hiddenLine xmlns:a14="http://schemas.microsoft.com/office/drawing/2010/main" xmlns="" w="9525">
                   <a:solidFill>
                     <a:srgbClr val="000000"/>
                   </a:solidFill>
@@ -4267,7 +4267,7 @@
             </a:ln>
             <a:extLst>
               <a:ext uri="{91240B29-F687-4f45-9708-019B960494DF}">
-                <a14:hiddenLine xmlns="" xmlns:a14="http://schemas.microsoft.com/office/drawing/2010/main" w="9525">
+                <a14:hiddenLine xmlns:a14="http://schemas.microsoft.com/office/drawing/2010/main" xmlns="" w="9525">
                   <a:solidFill>
                     <a:srgbClr val="000000"/>
                   </a:solidFill>
@@ -9074,7 +9074,7 @@
           <a:noFill/>
           <a:extLst>
             <a:ext uri="{909E8E84-426E-40dd-AFC4-6F175D3DCCD1}">
-              <a14:hiddenFill xmlns="" xmlns:a14="http://schemas.microsoft.com/office/drawing/2010/main">
+              <a14:hiddenFill xmlns:a14="http://schemas.microsoft.com/office/drawing/2010/main" xmlns="">
                 <a:solidFill>
                   <a:srgbClr val="FFFFFF"/>
                 </a:solidFill>
@@ -9148,7 +9148,7 @@
               </a:ln>
               <a:extLst>
                 <a:ext uri="{91240B29-F687-4f45-9708-019B960494DF}">
-                  <a14:hiddenLine xmlns="" xmlns:a14="http://schemas.microsoft.com/office/drawing/2010/main" w="9525">
+                  <a14:hiddenLine xmlns:a14="http://schemas.microsoft.com/office/drawing/2010/main" xmlns="" w="9525">
                     <a:solidFill>
                       <a:srgbClr val="000000"/>
                     </a:solidFill>
@@ -9238,7 +9238,7 @@
               </a:ln>
               <a:extLst>
                 <a:ext uri="{91240B29-F687-4f45-9708-019B960494DF}">
-                  <a14:hiddenLine xmlns="" xmlns:a14="http://schemas.microsoft.com/office/drawing/2010/main" w="9525">
+                  <a14:hiddenLine xmlns:a14="http://schemas.microsoft.com/office/drawing/2010/main" xmlns="" w="9525">
                     <a:solidFill>
                       <a:srgbClr val="000000"/>
                     </a:solidFill>
@@ -9328,7 +9328,7 @@
               </a:ln>
               <a:extLst>
                 <a:ext uri="{91240B29-F687-4f45-9708-019B960494DF}">
-                  <a14:hiddenLine xmlns="" xmlns:a14="http://schemas.microsoft.com/office/drawing/2010/main" w="9525">
+                  <a14:hiddenLine xmlns:a14="http://schemas.microsoft.com/office/drawing/2010/main" xmlns="" w="9525">
                     <a:solidFill>
                       <a:srgbClr val="000000"/>
                     </a:solidFill>
@@ -9390,7 +9390,7 @@
               </a:ln>
               <a:extLst>
                 <a:ext uri="{91240B29-F687-4f45-9708-019B960494DF}">
-                  <a14:hiddenLine xmlns="" xmlns:a14="http://schemas.microsoft.com/office/drawing/2010/main" w="9525">
+                  <a14:hiddenLine xmlns:a14="http://schemas.microsoft.com/office/drawing/2010/main" xmlns="" w="9525">
                     <a:solidFill>
                       <a:srgbClr val="000000"/>
                     </a:solidFill>
@@ -9480,7 +9480,7 @@
               </a:ln>
               <a:extLst>
                 <a:ext uri="{91240B29-F687-4f45-9708-019B960494DF}">
-                  <a14:hiddenLine xmlns="" xmlns:a14="http://schemas.microsoft.com/office/drawing/2010/main" w="9525">
+                  <a14:hiddenLine xmlns:a14="http://schemas.microsoft.com/office/drawing/2010/main" xmlns="" w="9525">
                     <a:solidFill>
                       <a:srgbClr val="000000"/>
                     </a:solidFill>
@@ -9542,7 +9542,7 @@
               </a:ln>
               <a:extLst>
                 <a:ext uri="{91240B29-F687-4f45-9708-019B960494DF}">
-                  <a14:hiddenLine xmlns="" xmlns:a14="http://schemas.microsoft.com/office/drawing/2010/main" w="9525">
+                  <a14:hiddenLine xmlns:a14="http://schemas.microsoft.com/office/drawing/2010/main" xmlns="" w="9525">
                     <a:solidFill>
                       <a:srgbClr val="000000"/>
                     </a:solidFill>
@@ -9604,7 +9604,7 @@
               </a:ln>
               <a:extLst>
                 <a:ext uri="{91240B29-F687-4f45-9708-019B960494DF}">
-                  <a14:hiddenLine xmlns="" xmlns:a14="http://schemas.microsoft.com/office/drawing/2010/main" w="9525">
+                  <a14:hiddenLine xmlns:a14="http://schemas.microsoft.com/office/drawing/2010/main" xmlns="" w="9525">
                     <a:solidFill>
                       <a:srgbClr val="000000"/>
                     </a:solidFill>
@@ -9694,7 +9694,7 @@
               </a:ln>
               <a:extLst>
                 <a:ext uri="{91240B29-F687-4f45-9708-019B960494DF}">
-                  <a14:hiddenLine xmlns="" xmlns:a14="http://schemas.microsoft.com/office/drawing/2010/main" w="9525">
+                  <a14:hiddenLine xmlns:a14="http://schemas.microsoft.com/office/drawing/2010/main" xmlns="" w="9525">
                     <a:solidFill>
                       <a:srgbClr val="000000"/>
                     </a:solidFill>
@@ -9784,7 +9784,7 @@
               </a:ln>
               <a:extLst>
                 <a:ext uri="{91240B29-F687-4f45-9708-019B960494DF}">
-                  <a14:hiddenLine xmlns="" xmlns:a14="http://schemas.microsoft.com/office/drawing/2010/main" w="9525">
+                  <a14:hiddenLine xmlns:a14="http://schemas.microsoft.com/office/drawing/2010/main" xmlns="" w="9525">
                     <a:solidFill>
                       <a:srgbClr val="000000"/>
                     </a:solidFill>
@@ -9846,7 +9846,7 @@
               </a:ln>
               <a:extLst>
                 <a:ext uri="{91240B29-F687-4f45-9708-019B960494DF}">
-                  <a14:hiddenLine xmlns="" xmlns:a14="http://schemas.microsoft.com/office/drawing/2010/main" w="9525">
+                  <a14:hiddenLine xmlns:a14="http://schemas.microsoft.com/office/drawing/2010/main" xmlns="" w="9525">
                     <a:solidFill>
                       <a:srgbClr val="000000"/>
                     </a:solidFill>
@@ -9956,7 +9956,7 @@
               </a:ln>
               <a:extLst>
                 <a:ext uri="{91240B29-F687-4f45-9708-019B960494DF}">
-                  <a14:hiddenLine xmlns="" xmlns:a14="http://schemas.microsoft.com/office/drawing/2010/main" w="9525">
+                  <a14:hiddenLine xmlns:a14="http://schemas.microsoft.com/office/drawing/2010/main" xmlns="" w="9525">
                     <a:solidFill>
                       <a:srgbClr val="000000"/>
                     </a:solidFill>
@@ -10040,7 +10040,7 @@
               </a:ln>
               <a:extLst>
                 <a:ext uri="{91240B29-F687-4f45-9708-019B960494DF}">
-                  <a14:hiddenLine xmlns="" xmlns:a14="http://schemas.microsoft.com/office/drawing/2010/main" w="9525">
+                  <a14:hiddenLine xmlns:a14="http://schemas.microsoft.com/office/drawing/2010/main" xmlns="" w="9525">
                     <a:solidFill>
                       <a:srgbClr val="000000"/>
                     </a:solidFill>
@@ -10102,7 +10102,7 @@
               </a:ln>
               <a:extLst>
                 <a:ext uri="{91240B29-F687-4f45-9708-019B960494DF}">
-                  <a14:hiddenLine xmlns="" xmlns:a14="http://schemas.microsoft.com/office/drawing/2010/main" w="9525">
+                  <a14:hiddenLine xmlns:a14="http://schemas.microsoft.com/office/drawing/2010/main" xmlns="" w="9525">
                     <a:solidFill>
                       <a:srgbClr val="000000"/>
                     </a:solidFill>
@@ -10164,7 +10164,7 @@
               </a:ln>
               <a:extLst>
                 <a:ext uri="{91240B29-F687-4f45-9708-019B960494DF}">
-                  <a14:hiddenLine xmlns="" xmlns:a14="http://schemas.microsoft.com/office/drawing/2010/main" w="9525">
+                  <a14:hiddenLine xmlns:a14="http://schemas.microsoft.com/office/drawing/2010/main" xmlns="" w="9525">
                     <a:solidFill>
                       <a:srgbClr val="000000"/>
                     </a:solidFill>
@@ -10254,7 +10254,7 @@
               </a:ln>
               <a:extLst>
                 <a:ext uri="{91240B29-F687-4f45-9708-019B960494DF}">
-                  <a14:hiddenLine xmlns="" xmlns:a14="http://schemas.microsoft.com/office/drawing/2010/main" w="9525">
+                  <a14:hiddenLine xmlns:a14="http://schemas.microsoft.com/office/drawing/2010/main" xmlns="" w="9525">
                     <a:solidFill>
                       <a:srgbClr val="000000"/>
                     </a:solidFill>
@@ -10288,7 +10288,7 @@
               </a:ln>
               <a:extLst>
                 <a:ext uri="{91240B29-F687-4f45-9708-019B960494DF}">
-                  <a14:hiddenLine xmlns="" xmlns:a14="http://schemas.microsoft.com/office/drawing/2010/main" w="9525">
+                  <a14:hiddenLine xmlns:a14="http://schemas.microsoft.com/office/drawing/2010/main" xmlns="" w="9525">
                     <a:solidFill>
                       <a:srgbClr val="000000"/>
                     </a:solidFill>
@@ -10353,7 +10353,7 @@
               </a:ln>
               <a:extLst>
                 <a:ext uri="{91240B29-F687-4f45-9708-019B960494DF}">
-                  <a14:hiddenLine xmlns="" xmlns:a14="http://schemas.microsoft.com/office/drawing/2010/main" w="9525">
+                  <a14:hiddenLine xmlns:a14="http://schemas.microsoft.com/office/drawing/2010/main" xmlns="" w="9525">
                     <a:solidFill>
                       <a:srgbClr val="000000"/>
                     </a:solidFill>
@@ -10443,7 +10443,7 @@
               </a:ln>
               <a:extLst>
                 <a:ext uri="{91240B29-F687-4f45-9708-019B960494DF}">
-                  <a14:hiddenLine xmlns="" xmlns:a14="http://schemas.microsoft.com/office/drawing/2010/main" w="9525">
+                  <a14:hiddenLine xmlns:a14="http://schemas.microsoft.com/office/drawing/2010/main" xmlns="" w="9525">
                     <a:solidFill>
                       <a:srgbClr val="000000"/>
                     </a:solidFill>
@@ -10505,7 +10505,7 @@
               </a:ln>
               <a:extLst>
                 <a:ext uri="{91240B29-F687-4f45-9708-019B960494DF}">
-                  <a14:hiddenLine xmlns="" xmlns:a14="http://schemas.microsoft.com/office/drawing/2010/main" w="9525">
+                  <a14:hiddenLine xmlns:a14="http://schemas.microsoft.com/office/drawing/2010/main" xmlns="" w="9525">
                     <a:solidFill>
                       <a:srgbClr val="000000"/>
                     </a:solidFill>
@@ -10595,7 +10595,7 @@
               </a:ln>
               <a:extLst>
                 <a:ext uri="{91240B29-F687-4f45-9708-019B960494DF}">
-                  <a14:hiddenLine xmlns="" xmlns:a14="http://schemas.microsoft.com/office/drawing/2010/main" w="9525">
+                  <a14:hiddenLine xmlns:a14="http://schemas.microsoft.com/office/drawing/2010/main" xmlns="" w="9525">
                     <a:solidFill>
                       <a:srgbClr val="000000"/>
                     </a:solidFill>
@@ -10660,7 +10660,7 @@
               </a:ln>
               <a:extLst>
                 <a:ext uri="{91240B29-F687-4f45-9708-019B960494DF}">
-                  <a14:hiddenLine xmlns="" xmlns:a14="http://schemas.microsoft.com/office/drawing/2010/main" w="9525">
+                  <a14:hiddenLine xmlns:a14="http://schemas.microsoft.com/office/drawing/2010/main" xmlns="" w="9525">
                     <a:solidFill>
                       <a:srgbClr val="000000"/>
                     </a:solidFill>
@@ -10722,7 +10722,7 @@
               </a:ln>
               <a:extLst>
                 <a:ext uri="{91240B29-F687-4f45-9708-019B960494DF}">
-                  <a14:hiddenLine xmlns="" xmlns:a14="http://schemas.microsoft.com/office/drawing/2010/main" w="9525">
+                  <a14:hiddenLine xmlns:a14="http://schemas.microsoft.com/office/drawing/2010/main" xmlns="" w="9525">
                     <a:solidFill>
                       <a:srgbClr val="000000"/>
                     </a:solidFill>
@@ -10812,7 +10812,7 @@
               </a:ln>
               <a:extLst>
                 <a:ext uri="{91240B29-F687-4f45-9708-019B960494DF}">
-                  <a14:hiddenLine xmlns="" xmlns:a14="http://schemas.microsoft.com/office/drawing/2010/main" w="9525">
+                  <a14:hiddenLine xmlns:a14="http://schemas.microsoft.com/office/drawing/2010/main" xmlns="" w="9525">
                     <a:solidFill>
                       <a:srgbClr val="000000"/>
                     </a:solidFill>
@@ -10902,7 +10902,7 @@
               </a:ln>
               <a:extLst>
                 <a:ext uri="{91240B29-F687-4f45-9708-019B960494DF}">
-                  <a14:hiddenLine xmlns="" xmlns:a14="http://schemas.microsoft.com/office/drawing/2010/main" w="9525">
+                  <a14:hiddenLine xmlns:a14="http://schemas.microsoft.com/office/drawing/2010/main" xmlns="" w="9525">
                     <a:solidFill>
                       <a:srgbClr val="000000"/>
                     </a:solidFill>
@@ -10967,7 +10967,7 @@
               </a:ln>
               <a:extLst>
                 <a:ext uri="{91240B29-F687-4f45-9708-019B960494DF}">
-                  <a14:hiddenLine xmlns="" xmlns:a14="http://schemas.microsoft.com/office/drawing/2010/main" w="9525">
+                  <a14:hiddenLine xmlns:a14="http://schemas.microsoft.com/office/drawing/2010/main" xmlns="" w="9525">
                     <a:solidFill>
                       <a:srgbClr val="000000"/>
                     </a:solidFill>
@@ -11087,7 +11087,7 @@
               </a:ln>
               <a:extLst>
                 <a:ext uri="{91240B29-F687-4f45-9708-019B960494DF}">
-                  <a14:hiddenLine xmlns="" xmlns:a14="http://schemas.microsoft.com/office/drawing/2010/main" w="9525">
+                  <a14:hiddenLine xmlns:a14="http://schemas.microsoft.com/office/drawing/2010/main" xmlns="" w="9525">
                     <a:solidFill>
                       <a:srgbClr val="000000"/>
                     </a:solidFill>
@@ -11185,7 +11185,7 @@
               </a:ln>
               <a:extLst>
                 <a:ext uri="{91240B29-F687-4f45-9708-019B960494DF}">
-                  <a14:hiddenLine xmlns="" xmlns:a14="http://schemas.microsoft.com/office/drawing/2010/main" w="9525">
+                  <a14:hiddenLine xmlns:a14="http://schemas.microsoft.com/office/drawing/2010/main" xmlns="" w="9525">
                     <a:solidFill>
                       <a:srgbClr val="000000"/>
                     </a:solidFill>
@@ -11300,7 +11300,7 @@
               </a:ln>
               <a:extLst>
                 <a:ext uri="{91240B29-F687-4f45-9708-019B960494DF}">
-                  <a14:hiddenLine xmlns="" xmlns:a14="http://schemas.microsoft.com/office/drawing/2010/main" w="9525">
+                  <a14:hiddenLine xmlns:a14="http://schemas.microsoft.com/office/drawing/2010/main" xmlns="" w="9525">
                     <a:solidFill>
                       <a:srgbClr val="000000"/>
                     </a:solidFill>
@@ -11390,7 +11390,7 @@
               </a:ln>
               <a:extLst>
                 <a:ext uri="{91240B29-F687-4f45-9708-019B960494DF}">
-                  <a14:hiddenLine xmlns="" xmlns:a14="http://schemas.microsoft.com/office/drawing/2010/main" w="9525">
+                  <a14:hiddenLine xmlns:a14="http://schemas.microsoft.com/office/drawing/2010/main" xmlns="" w="9525">
                     <a:solidFill>
                       <a:srgbClr val="000000"/>
                     </a:solidFill>
@@ -11455,7 +11455,7 @@
               </a:ln>
               <a:extLst>
                 <a:ext uri="{91240B29-F687-4f45-9708-019B960494DF}">
-                  <a14:hiddenLine xmlns="" xmlns:a14="http://schemas.microsoft.com/office/drawing/2010/main" w="9525">
+                  <a14:hiddenLine xmlns:a14="http://schemas.microsoft.com/office/drawing/2010/main" xmlns="" w="9525">
                     <a:solidFill>
                       <a:srgbClr val="000000"/>
                     </a:solidFill>
@@ -11545,7 +11545,7 @@
               </a:ln>
               <a:extLst>
                 <a:ext uri="{91240B29-F687-4f45-9708-019B960494DF}">
-                  <a14:hiddenLine xmlns="" xmlns:a14="http://schemas.microsoft.com/office/drawing/2010/main" w="9525">
+                  <a14:hiddenLine xmlns:a14="http://schemas.microsoft.com/office/drawing/2010/main" xmlns="" w="9525">
                     <a:solidFill>
                       <a:srgbClr val="000000"/>
                     </a:solidFill>
@@ -11613,7 +11613,7 @@
               </a:ln>
               <a:extLst>
                 <a:ext uri="{91240B29-F687-4f45-9708-019B960494DF}">
-                  <a14:hiddenLine xmlns="" xmlns:a14="http://schemas.microsoft.com/office/drawing/2010/main" w="9525">
+                  <a14:hiddenLine xmlns:a14="http://schemas.microsoft.com/office/drawing/2010/main" xmlns="" w="9525">
                     <a:solidFill>
                       <a:srgbClr val="000000"/>
                     </a:solidFill>
@@ -11703,7 +11703,7 @@
               </a:ln>
               <a:extLst>
                 <a:ext uri="{91240B29-F687-4f45-9708-019B960494DF}">
-                  <a14:hiddenLine xmlns="" xmlns:a14="http://schemas.microsoft.com/office/drawing/2010/main" w="9525">
+                  <a14:hiddenLine xmlns:a14="http://schemas.microsoft.com/office/drawing/2010/main" xmlns="" w="9525">
                     <a:solidFill>
                       <a:srgbClr val="000000"/>
                     </a:solidFill>
@@ -11771,7 +11771,7 @@
               </a:ln>
               <a:extLst>
                 <a:ext uri="{91240B29-F687-4f45-9708-019B960494DF}">
-                  <a14:hiddenLine xmlns="" xmlns:a14="http://schemas.microsoft.com/office/drawing/2010/main" w="9525">
+                  <a14:hiddenLine xmlns:a14="http://schemas.microsoft.com/office/drawing/2010/main" xmlns="" w="9525">
                     <a:solidFill>
                       <a:srgbClr val="000000"/>
                     </a:solidFill>
@@ -11861,7 +11861,7 @@
               </a:ln>
               <a:extLst>
                 <a:ext uri="{91240B29-F687-4f45-9708-019B960494DF}">
-                  <a14:hiddenLine xmlns="" xmlns:a14="http://schemas.microsoft.com/office/drawing/2010/main" w="9525">
+                  <a14:hiddenLine xmlns:a14="http://schemas.microsoft.com/office/drawing/2010/main" xmlns="" w="9525">
                     <a:solidFill>
                       <a:srgbClr val="000000"/>
                     </a:solidFill>
@@ -11895,7 +11895,7 @@
               </a:ln>
               <a:extLst>
                 <a:ext uri="{91240B29-F687-4f45-9708-019B960494DF}">
-                  <a14:hiddenLine xmlns="" xmlns:a14="http://schemas.microsoft.com/office/drawing/2010/main" w="9525">
+                  <a14:hiddenLine xmlns:a14="http://schemas.microsoft.com/office/drawing/2010/main" xmlns="" w="9525">
                     <a:solidFill>
                       <a:srgbClr val="000000"/>
                     </a:solidFill>
@@ -14989,7 +14989,7 @@
                 <a:latin typeface="Times New Roman" panose="02020603050405020304" pitchFamily="18" charset="0"/>
                 <a:cs typeface="Times New Roman" panose="02020603050405020304" pitchFamily="18" charset="0"/>
               </a:rPr>
-              <a:t>AIM of the project</a:t>
+              <a:t>Goal of the project</a:t>
             </a:r>
           </a:p>
         </p:txBody>
@@ -15012,7 +15012,9 @@
         </p:nvSpPr>
         <p:spPr/>
         <p:txBody>
-          <a:bodyPr/>
+          <a:bodyPr>
+            <a:normAutofit lnSpcReduction="10000"/>
+          </a:bodyPr>
           <a:lstStyle/>
           <a:p>
             <a:r>
@@ -15020,7 +15022,7 @@
                 <a:latin typeface="Times New Roman" panose="02020603050405020304" pitchFamily="18" charset="0"/>
                 <a:cs typeface="Times New Roman" panose="02020603050405020304" pitchFamily="18" charset="0"/>
               </a:rPr>
-              <a:t>Find whether the tumor cell is malignant(cancer cell) or benign ()</a:t>
+              <a:t>Find whether the tumor cell is malignant(cancer cell) or benign (non-cancerous cell)</a:t>
             </a:r>
           </a:p>
           <a:p>
@@ -15580,8 +15582,8 @@
         </p:blipFill>
         <p:spPr>
           <a:xfrm>
-            <a:off x="304583" y="3457464"/>
-            <a:ext cx="4007470" cy="2638793"/>
+            <a:off x="479351" y="3457464"/>
+            <a:ext cx="3683709" cy="2638793"/>
           </a:xfrm>
           <a:prstGeom prst="rect">
             <a:avLst/>
@@ -15826,9 +15828,6 @@
             </a:pPr>
             <a:r>
               <a:rPr lang="en-US" b="1" i="0" dirty="0">
-                <a:solidFill>
-                  <a:schemeClr val="bg1"/>
-                </a:solidFill>
                 <a:effectLst/>
                 <a:latin typeface="Times New Roman" panose="02020603050405020304" pitchFamily="18" charset="0"/>
                 <a:cs typeface="Times New Roman" panose="02020603050405020304" pitchFamily="18" charset="0"/>
